--- a/presentation/presentation.pptx
+++ b/presentation/presentation.pptx
@@ -728,6 +728,22 @@
             <a:r>
               <a:rPr lang="de-DE" baseline="0" dirty="0"/>
               <a:t>Bosch-Cloud</a:t>
+            </a:r>
+            <a:r>
+              <a:rPr lang="de-DE" baseline="0"/>
+              <a:t>: </a:t>
+            </a:r>
+            <a:r>
+              <a:rPr lang="de-DE" sz="1200" kern="1200">
+                <a:solidFill>
+                  <a:schemeClr val="tx1"/>
+                </a:solidFill>
+                <a:effectLst/>
+                <a:latin typeface="+mn-lt"/>
+                <a:ea typeface="+mn-ea"/>
+                <a:cs typeface="+mn-cs"/>
+              </a:rPr>
+              <a:t>http://drink-4-fit.apps.bosch-iot-cloud.com/index.html</a:t>
             </a:r>
             <a:endParaRPr lang="de-DE" dirty="0"/>
           </a:p>

--- a/presentation/presentation.pptx
+++ b/presentation/presentation.pptx
@@ -5,22 +5,24 @@
     <p:sldMasterId id="2147483648" r:id="rId1"/>
   </p:sldMasterIdLst>
   <p:notesMasterIdLst>
-    <p:notesMasterId r:id="rId15"/>
+    <p:notesMasterId r:id="rId17"/>
   </p:notesMasterIdLst>
   <p:sldIdLst>
     <p:sldId id="282" r:id="rId2"/>
     <p:sldId id="256" r:id="rId3"/>
     <p:sldId id="285" r:id="rId4"/>
-    <p:sldId id="283" r:id="rId5"/>
-    <p:sldId id="264" r:id="rId6"/>
-    <p:sldId id="274" r:id="rId7"/>
-    <p:sldId id="275" r:id="rId8"/>
-    <p:sldId id="276" r:id="rId9"/>
-    <p:sldId id="277" r:id="rId10"/>
-    <p:sldId id="278" r:id="rId11"/>
-    <p:sldId id="279" r:id="rId12"/>
-    <p:sldId id="280" r:id="rId13"/>
-    <p:sldId id="284" r:id="rId14"/>
+    <p:sldId id="286" r:id="rId5"/>
+    <p:sldId id="283" r:id="rId6"/>
+    <p:sldId id="264" r:id="rId7"/>
+    <p:sldId id="274" r:id="rId8"/>
+    <p:sldId id="275" r:id="rId9"/>
+    <p:sldId id="276" r:id="rId10"/>
+    <p:sldId id="277" r:id="rId11"/>
+    <p:sldId id="278" r:id="rId12"/>
+    <p:sldId id="279" r:id="rId13"/>
+    <p:sldId id="280" r:id="rId14"/>
+    <p:sldId id="284" r:id="rId15"/>
+    <p:sldId id="287" r:id="rId16"/>
   </p:sldIdLst>
   <p:sldSz cx="12192000" cy="6858000"/>
   <p:notesSz cx="6858000" cy="9144000"/>
@@ -119,6 +121,14 @@
       </a:defRPr>
     </a:lvl9pPr>
   </p:defaultTextStyle>
+  <p:extLst>
+    <p:ext uri="{EFAFB233-063F-42B5-8137-9DF3F51BA10A}">
+      <p15:sldGuideLst xmlns:p15="http://schemas.microsoft.com/office/powerpoint/2012/main"/>
+    </p:ext>
+    <p:ext uri="{2D200454-40CA-4A62-9FC3-DE9A4176ACB9}">
+      <p15:notesGuideLst xmlns:p15="http://schemas.microsoft.com/office/powerpoint/2012/main"/>
+    </p:ext>
+  </p:extLst>
 </p:presentation>
 </file>
 
@@ -299,7 +309,6 @@
               <a:rPr lang="de-DE"/>
               <a:t>Fünfte Ebene</a:t>
             </a:r>
-            <a:endParaRPr lang="de-DE"/>
           </a:p>
         </p:txBody>
       </p:sp>
@@ -830,7 +839,6 @@
               <a:rPr lang="de-DE"/>
               <a:t>Titelmasterformat durch Klicken bearbeiten</a:t>
             </a:r>
-            <a:endParaRPr lang="de-DE"/>
           </a:p>
         </p:txBody>
       </p:sp>
@@ -895,7 +903,6 @@
               <a:rPr lang="de-DE"/>
               <a:t>Formatvorlage des Untertitelmasters durch Klicken bearbeiten</a:t>
             </a:r>
-            <a:endParaRPr lang="de-DE"/>
           </a:p>
         </p:txBody>
       </p:sp>
@@ -1013,7 +1020,6 @@
               <a:rPr lang="de-DE"/>
               <a:t>Titelmasterformat durch Klicken bearbeiten</a:t>
             </a:r>
-            <a:endParaRPr lang="de-DE"/>
           </a:p>
         </p:txBody>
       </p:sp>
@@ -1065,7 +1071,6 @@
               <a:rPr lang="de-DE"/>
               <a:t>Fünfte Ebene</a:t>
             </a:r>
-            <a:endParaRPr lang="de-DE"/>
           </a:p>
         </p:txBody>
       </p:sp>
@@ -1188,7 +1193,6 @@
               <a:rPr lang="de-DE"/>
               <a:t>Titelmasterformat durch Klicken bearbeiten</a:t>
             </a:r>
-            <a:endParaRPr lang="de-DE"/>
           </a:p>
         </p:txBody>
       </p:sp>
@@ -1245,7 +1249,6 @@
               <a:rPr lang="de-DE"/>
               <a:t>Fünfte Ebene</a:t>
             </a:r>
-            <a:endParaRPr lang="de-DE"/>
           </a:p>
         </p:txBody>
       </p:sp>
@@ -1363,7 +1366,6 @@
               <a:rPr lang="de-DE"/>
               <a:t>Titelmasterformat durch Klicken bearbeiten</a:t>
             </a:r>
-            <a:endParaRPr lang="de-DE"/>
           </a:p>
         </p:txBody>
       </p:sp>
@@ -1415,7 +1417,6 @@
               <a:rPr lang="de-DE"/>
               <a:t>Fünfte Ebene</a:t>
             </a:r>
-            <a:endParaRPr lang="de-DE"/>
           </a:p>
         </p:txBody>
       </p:sp>
@@ -1542,7 +1543,6 @@
               <a:rPr lang="de-DE"/>
               <a:t>Titelmasterformat durch Klicken bearbeiten</a:t>
             </a:r>
-            <a:endParaRPr lang="de-DE"/>
           </a:p>
         </p:txBody>
       </p:sp>
@@ -1779,7 +1779,6 @@
               <a:rPr lang="de-DE"/>
               <a:t>Titelmasterformat durch Klicken bearbeiten</a:t>
             </a:r>
-            <a:endParaRPr lang="de-DE"/>
           </a:p>
         </p:txBody>
       </p:sp>
@@ -1836,7 +1835,6 @@
               <a:rPr lang="de-DE"/>
               <a:t>Fünfte Ebene</a:t>
             </a:r>
-            <a:endParaRPr lang="de-DE"/>
           </a:p>
         </p:txBody>
       </p:sp>
@@ -1893,7 +1891,6 @@
               <a:rPr lang="de-DE"/>
               <a:t>Fünfte Ebene</a:t>
             </a:r>
-            <a:endParaRPr lang="de-DE"/>
           </a:p>
         </p:txBody>
       </p:sp>
@@ -2016,7 +2013,6 @@
               <a:rPr lang="de-DE"/>
               <a:t>Titelmasterformat durch Klicken bearbeiten</a:t>
             </a:r>
-            <a:endParaRPr lang="de-DE"/>
           </a:p>
         </p:txBody>
       </p:sp>
@@ -2138,7 +2134,6 @@
               <a:rPr lang="de-DE"/>
               <a:t>Fünfte Ebene</a:t>
             </a:r>
-            <a:endParaRPr lang="de-DE"/>
           </a:p>
         </p:txBody>
       </p:sp>
@@ -2260,7 +2255,6 @@
               <a:rPr lang="de-DE"/>
               <a:t>Fünfte Ebene</a:t>
             </a:r>
-            <a:endParaRPr lang="de-DE"/>
           </a:p>
         </p:txBody>
       </p:sp>
@@ -2378,7 +2372,6 @@
               <a:rPr lang="de-DE"/>
               <a:t>Titelmasterformat durch Klicken bearbeiten</a:t>
             </a:r>
-            <a:endParaRPr lang="de-DE"/>
           </a:p>
         </p:txBody>
       </p:sp>
@@ -2600,7 +2593,6 @@
               <a:rPr lang="de-DE"/>
               <a:t>Titelmasterformat durch Klicken bearbeiten</a:t>
             </a:r>
-            <a:endParaRPr lang="de-DE"/>
           </a:p>
         </p:txBody>
       </p:sp>
@@ -2685,7 +2677,6 @@
               <a:rPr lang="de-DE"/>
               <a:t>Fünfte Ebene</a:t>
             </a:r>
-            <a:endParaRPr lang="de-DE"/>
           </a:p>
         </p:txBody>
       </p:sp>
@@ -2877,7 +2868,6 @@
               <a:rPr lang="de-DE"/>
               <a:t>Titelmasterformat durch Klicken bearbeiten</a:t>
             </a:r>
-            <a:endParaRPr lang="de-DE"/>
           </a:p>
         </p:txBody>
       </p:sp>
@@ -3136,7 +3126,6 @@
               <a:rPr lang="de-DE"/>
               <a:t>Titelmasterformat durch Klicken bearbeiten</a:t>
             </a:r>
-            <a:endParaRPr lang="de-DE"/>
           </a:p>
         </p:txBody>
       </p:sp>
@@ -3198,7 +3187,6 @@
               <a:rPr lang="de-DE"/>
               <a:t>Fünfte Ebene</a:t>
             </a:r>
-            <a:endParaRPr lang="de-DE"/>
           </a:p>
         </p:txBody>
       </p:sp>
@@ -4005,7 +3993,7 @@
           <p:nvPr/>
         </p:nvPicPr>
         <p:blipFill rotWithShape="1">
-          <a:blip r:embed="rId2">
+          <a:blip r:embed="rId2" cstate="hqprint">
             <a:extLst>
               <a:ext uri="{28A0092B-C50C-407E-A947-70E740481C1C}">
                 <a14:useLocalDpi xmlns:a14="http://schemas.microsoft.com/office/drawing/2010/main" val="0"/>
@@ -4058,7 +4046,7 @@
             <p:nvPr/>
           </p:nvPicPr>
           <p:blipFill>
-            <a:blip r:embed="rId3">
+            <a:blip r:embed="rId3" cstate="hqprint">
               <a:extLst>
                 <a:ext uri="{28A0092B-C50C-407E-A947-70E740481C1C}">
                   <a14:useLocalDpi xmlns:a14="http://schemas.microsoft.com/office/drawing/2010/main" val="0"/>
@@ -4099,7 +4087,7 @@
             <p:nvPr/>
           </p:nvPicPr>
           <p:blipFill rotWithShape="1">
-            <a:blip r:embed="rId4">
+            <a:blip r:embed="rId4" cstate="hqprint">
               <a:extLst>
                 <a:ext uri="{28A0092B-C50C-407E-A947-70E740481C1C}">
                   <a14:useLocalDpi xmlns:a14="http://schemas.microsoft.com/office/drawing/2010/main" val="0"/>
@@ -4201,7 +4189,7 @@
             <p:nvPr/>
           </p:nvPicPr>
           <p:blipFill>
-            <a:blip r:embed="rId5">
+            <a:blip r:embed="rId5" cstate="hqprint">
               <a:extLst>
                 <a:ext uri="{28A0092B-C50C-407E-A947-70E740481C1C}">
                   <a14:useLocalDpi xmlns:a14="http://schemas.microsoft.com/office/drawing/2010/main" val="0"/>
@@ -4401,7 +4389,7 @@
             <p:nvPr/>
           </p:nvPicPr>
           <p:blipFill rotWithShape="1">
-            <a:blip r:embed="rId6">
+            <a:blip r:embed="rId6" cstate="hqprint">
               <a:extLst>
                 <a:ext uri="{28A0092B-C50C-407E-A947-70E740481C1C}">
                   <a14:useLocalDpi xmlns:a14="http://schemas.microsoft.com/office/drawing/2010/main" val="0"/>
@@ -4440,7 +4428,7 @@
             <p:nvPr/>
           </p:nvPicPr>
           <p:blipFill>
-            <a:blip r:embed="rId7">
+            <a:blip r:embed="rId7" cstate="hqprint">
               <a:extLst>
                 <a:ext uri="{28A0092B-C50C-407E-A947-70E740481C1C}">
                   <a14:useLocalDpi xmlns:a14="http://schemas.microsoft.com/office/drawing/2010/main" val="0"/>
@@ -4482,7 +4470,7 @@
           <p:nvPr/>
         </p:nvPicPr>
         <p:blipFill rotWithShape="1">
-          <a:blip r:embed="rId8">
+          <a:blip r:embed="rId8" cstate="hqprint">
             <a:extLst>
               <a:ext uri="{28A0092B-C50C-407E-A947-70E740481C1C}">
                 <a14:useLocalDpi xmlns:a14="http://schemas.microsoft.com/office/drawing/2010/main" val="0"/>
@@ -4574,7 +4562,7 @@
             <p:nvPr/>
           </p:nvPicPr>
           <p:blipFill>
-            <a:blip r:embed="rId10">
+            <a:blip r:embed="rId10" cstate="hqprint">
               <a:extLst>
                 <a:ext uri="{28A0092B-C50C-407E-A947-70E740481C1C}">
                   <a14:useLocalDpi xmlns:a14="http://schemas.microsoft.com/office/drawing/2010/main" val="0"/>
@@ -4868,37 +4856,35 @@
         </p:nvGrpSpPr>
         <p:grpSpPr>
           <a:xfrm>
-            <a:off x="4580471" y="1892839"/>
-            <a:ext cx="3031059" cy="3072323"/>
-            <a:chOff x="7838847" y="631018"/>
-            <a:chExt cx="2320434" cy="2352023"/>
+            <a:off x="4425616" y="2012498"/>
+            <a:ext cx="3340768" cy="2833004"/>
+            <a:chOff x="5491776" y="1245704"/>
+            <a:chExt cx="3120019" cy="2645807"/>
           </a:xfrm>
         </p:grpSpPr>
         <p:pic>
           <p:nvPicPr>
-            <p:cNvPr id="41" name="Picture 10" descr="https://upload.wikimedia.org/wikipedia/commons/thumb/5/54/Tinkerforge_logo.svg/2000px-Tinkerforge_logo.svg.png"/>
+            <p:cNvPr id="41" name="Picture 16" descr="http://www.philips.com/consumerfiles/newscenter/main/shared/assets/de/SmallParagraphImage/news/licht/20160314_Philips_Hue_white_ambiance_E27_1.jpg"/>
             <p:cNvPicPr>
               <a:picLocks noChangeAspect="1" noChangeArrowheads="1"/>
             </p:cNvPicPr>
             <p:nvPr/>
           </p:nvPicPr>
-          <p:blipFill>
-            <a:blip r:embed="rId3">
+          <p:blipFill rotWithShape="1">
+            <a:blip r:embed="rId13" cstate="hqprint">
               <a:extLst>
                 <a:ext uri="{28A0092B-C50C-407E-A947-70E740481C1C}">
                   <a14:useLocalDpi xmlns:a14="http://schemas.microsoft.com/office/drawing/2010/main" val="0"/>
                 </a:ext>
               </a:extLst>
             </a:blip>
-            <a:srcRect/>
-            <a:stretch>
-              <a:fillRect/>
-            </a:stretch>
+            <a:srcRect l="34928" t="24652" r="32837" b="21863"/>
+            <a:stretch/>
           </p:blipFill>
           <p:spPr bwMode="auto">
             <a:xfrm>
-              <a:off x="7838847" y="2486323"/>
-              <a:ext cx="2320434" cy="496718"/>
+              <a:off x="5491776" y="1245704"/>
+              <a:ext cx="1559722" cy="2587902"/>
             </a:xfrm>
             <a:prstGeom prst="rect">
               <a:avLst/>
@@ -4917,27 +4903,29 @@
         </p:pic>
         <p:pic>
           <p:nvPicPr>
-            <p:cNvPr id="42" name="Picture 12" descr="http://www.tinkerforge.com/de/doc/_images/Bricklets/bricklet_ambient_light_master_1200.jpg"/>
+            <p:cNvPr id="42" name="Picture 18" descr="https://camo.githubusercontent.com/0d0cfb0d8a0ebddeaaf0b7a51c78c08200f3c381/687474703a2f2f61313036362e70686f626f732e6170706c652e636f6d2f75732f72313030302f3131372f507572706c652f76342f31302f62652f37382f31306265373831302d383938322d646437332d336165372d6339373539316138376565372f6d7a6d2e7979767565706a642e706e67"/>
             <p:cNvPicPr>
               <a:picLocks noChangeAspect="1" noChangeArrowheads="1"/>
             </p:cNvPicPr>
             <p:nvPr/>
           </p:nvPicPr>
-          <p:blipFill rotWithShape="1">
-            <a:blip r:embed="rId4">
+          <p:blipFill>
+            <a:blip r:embed="rId14" cstate="hqprint">
               <a:extLst>
                 <a:ext uri="{28A0092B-C50C-407E-A947-70E740481C1C}">
                   <a14:useLocalDpi xmlns:a14="http://schemas.microsoft.com/office/drawing/2010/main" val="0"/>
                 </a:ext>
               </a:extLst>
             </a:blip>
-            <a:srcRect l="20787" t="255" r="15562" b="13369"/>
-            <a:stretch/>
+            <a:srcRect/>
+            <a:stretch>
+              <a:fillRect/>
+            </a:stretch>
           </p:blipFill>
           <p:spPr bwMode="auto">
             <a:xfrm>
-              <a:off x="8024950" y="631018"/>
-              <a:ext cx="1948228" cy="1762541"/>
+              <a:off x="7051498" y="2331214"/>
+              <a:ext cx="1560297" cy="1560297"/>
             </a:xfrm>
             <a:prstGeom prst="rect">
               <a:avLst/>
@@ -5183,10 +5171,11 @@
           </a:prstGeom>
           <a:ln w="76200">
             <a:solidFill>
-              <a:srgbClr val="7030A0"/>
+              <a:schemeClr val="accent2">
+                <a:lumMod val="75000"/>
+              </a:schemeClr>
             </a:solidFill>
-            <a:headEnd type="triangle" w="med" len="med"/>
-            <a:tailEnd type="none" w="med" len="med"/>
+            <a:tailEnd type="triangle"/>
           </a:ln>
         </p:spPr>
         <p:style>
@@ -5207,7 +5196,7 @@
     </p:spTree>
     <p:extLst>
       <p:ext uri="{BB962C8B-B14F-4D97-AF65-F5344CB8AC3E}">
-        <p14:creationId xmlns:p14="http://schemas.microsoft.com/office/powerpoint/2010/main" val="4203861690"/>
+        <p14:creationId xmlns:p14="http://schemas.microsoft.com/office/powerpoint/2010/main" val="2369070979"/>
       </p:ext>
     </p:extLst>
   </p:cSld>
@@ -5527,7 +5516,7 @@
           <p:nvPr/>
         </p:nvPicPr>
         <p:blipFill rotWithShape="1">
-          <a:blip r:embed="rId2">
+          <a:blip r:embed="rId2" cstate="hqprint">
             <a:extLst>
               <a:ext uri="{28A0092B-C50C-407E-A947-70E740481C1C}">
                 <a14:useLocalDpi xmlns:a14="http://schemas.microsoft.com/office/drawing/2010/main" val="0"/>
@@ -5580,7 +5569,7 @@
             <p:nvPr/>
           </p:nvPicPr>
           <p:blipFill>
-            <a:blip r:embed="rId3">
+            <a:blip r:embed="rId3" cstate="hqprint">
               <a:extLst>
                 <a:ext uri="{28A0092B-C50C-407E-A947-70E740481C1C}">
                   <a14:useLocalDpi xmlns:a14="http://schemas.microsoft.com/office/drawing/2010/main" val="0"/>
@@ -5621,7 +5610,7 @@
             <p:nvPr/>
           </p:nvPicPr>
           <p:blipFill rotWithShape="1">
-            <a:blip r:embed="rId4">
+            <a:blip r:embed="rId4" cstate="hqprint">
               <a:extLst>
                 <a:ext uri="{28A0092B-C50C-407E-A947-70E740481C1C}">
                   <a14:useLocalDpi xmlns:a14="http://schemas.microsoft.com/office/drawing/2010/main" val="0"/>
@@ -5723,7 +5712,7 @@
             <p:nvPr/>
           </p:nvPicPr>
           <p:blipFill>
-            <a:blip r:embed="rId5">
+            <a:blip r:embed="rId5" cstate="hqprint">
               <a:extLst>
                 <a:ext uri="{28A0092B-C50C-407E-A947-70E740481C1C}">
                   <a14:useLocalDpi xmlns:a14="http://schemas.microsoft.com/office/drawing/2010/main" val="0"/>
@@ -5923,7 +5912,7 @@
             <p:nvPr/>
           </p:nvPicPr>
           <p:blipFill rotWithShape="1">
-            <a:blip r:embed="rId6">
+            <a:blip r:embed="rId6" cstate="hqprint">
               <a:extLst>
                 <a:ext uri="{28A0092B-C50C-407E-A947-70E740481C1C}">
                   <a14:useLocalDpi xmlns:a14="http://schemas.microsoft.com/office/drawing/2010/main" val="0"/>
@@ -5962,7 +5951,7 @@
             <p:nvPr/>
           </p:nvPicPr>
           <p:blipFill>
-            <a:blip r:embed="rId7">
+            <a:blip r:embed="rId7" cstate="hqprint">
               <a:extLst>
                 <a:ext uri="{28A0092B-C50C-407E-A947-70E740481C1C}">
                   <a14:useLocalDpi xmlns:a14="http://schemas.microsoft.com/office/drawing/2010/main" val="0"/>
@@ -6004,7 +5993,7 @@
           <p:nvPr/>
         </p:nvPicPr>
         <p:blipFill rotWithShape="1">
-          <a:blip r:embed="rId8">
+          <a:blip r:embed="rId8" cstate="hqprint">
             <a:extLst>
               <a:ext uri="{28A0092B-C50C-407E-A947-70E740481C1C}">
                 <a14:useLocalDpi xmlns:a14="http://schemas.microsoft.com/office/drawing/2010/main" val="0"/>
@@ -6096,7 +6085,1529 @@
             <p:nvPr/>
           </p:nvPicPr>
           <p:blipFill>
-            <a:blip r:embed="rId10">
+            <a:blip r:embed="rId10" cstate="hqprint">
+              <a:extLst>
+                <a:ext uri="{28A0092B-C50C-407E-A947-70E740481C1C}">
+                  <a14:useLocalDpi xmlns:a14="http://schemas.microsoft.com/office/drawing/2010/main" val="0"/>
+                </a:ext>
+              </a:extLst>
+            </a:blip>
+            <a:srcRect/>
+            <a:stretch>
+              <a:fillRect/>
+            </a:stretch>
+          </p:blipFill>
+          <p:spPr bwMode="auto">
+            <a:xfrm>
+              <a:off x="1684873" y="3234861"/>
+              <a:ext cx="3233531" cy="1068581"/>
+            </a:xfrm>
+            <a:prstGeom prst="rect">
+              <a:avLst/>
+            </a:prstGeom>
+            <a:noFill/>
+            <a:extLst>
+              <a:ext uri="{909E8E84-426E-40DD-AFC4-6F175D3DCCD1}">
+                <a14:hiddenFill xmlns:a14="http://schemas.microsoft.com/office/drawing/2010/main">
+                  <a:solidFill>
+                    <a:srgbClr val="FFFFFF"/>
+                  </a:solidFill>
+                </a14:hiddenFill>
+              </a:ext>
+            </a:extLst>
+          </p:spPr>
+        </p:pic>
+      </p:grpSp>
+      <p:sp>
+        <p:nvSpPr>
+          <p:cNvPr id="37" name="Rechteck 36"/>
+          <p:cNvSpPr/>
+          <p:nvPr/>
+        </p:nvSpPr>
+        <p:spPr>
+          <a:xfrm>
+            <a:off x="8415407" y="2174349"/>
+            <a:ext cx="427224" cy="737405"/>
+          </a:xfrm>
+          <a:prstGeom prst="rect">
+            <a:avLst/>
+          </a:prstGeom>
+          <a:solidFill>
+            <a:schemeClr val="bg1"/>
+          </a:solidFill>
+          <a:ln>
+            <a:solidFill>
+              <a:schemeClr val="bg1"/>
+            </a:solidFill>
+          </a:ln>
+        </p:spPr>
+        <p:style>
+          <a:lnRef idx="2">
+            <a:schemeClr val="accent1">
+              <a:shade val="50000"/>
+            </a:schemeClr>
+          </a:lnRef>
+          <a:fillRef idx="1">
+            <a:schemeClr val="accent1"/>
+          </a:fillRef>
+          <a:effectRef idx="0">
+            <a:schemeClr val="accent1"/>
+          </a:effectRef>
+          <a:fontRef idx="minor">
+            <a:schemeClr val="lt1"/>
+          </a:fontRef>
+        </p:style>
+        <p:txBody>
+          <a:bodyPr rtlCol="0" anchor="ctr"/>
+          <a:lstStyle/>
+          <a:p>
+            <a:pPr algn="ctr"/>
+            <a:endParaRPr lang="de-DE"/>
+          </a:p>
+        </p:txBody>
+      </p:sp>
+      <p:sp>
+        <p:nvSpPr>
+          <p:cNvPr id="32" name="Rechteck 31"/>
+          <p:cNvSpPr/>
+          <p:nvPr/>
+        </p:nvSpPr>
+        <p:spPr>
+          <a:xfrm>
+            <a:off x="7698186" y="1693250"/>
+            <a:ext cx="1023783" cy="737405"/>
+          </a:xfrm>
+          <a:prstGeom prst="rect">
+            <a:avLst/>
+          </a:prstGeom>
+          <a:solidFill>
+            <a:schemeClr val="bg1"/>
+          </a:solidFill>
+          <a:ln>
+            <a:solidFill>
+              <a:schemeClr val="bg1"/>
+            </a:solidFill>
+          </a:ln>
+        </p:spPr>
+        <p:style>
+          <a:lnRef idx="2">
+            <a:schemeClr val="accent1">
+              <a:shade val="50000"/>
+            </a:schemeClr>
+          </a:lnRef>
+          <a:fillRef idx="1">
+            <a:schemeClr val="accent1"/>
+          </a:fillRef>
+          <a:effectRef idx="0">
+            <a:schemeClr val="accent1"/>
+          </a:effectRef>
+          <a:fontRef idx="minor">
+            <a:schemeClr val="lt1"/>
+          </a:fontRef>
+        </p:style>
+        <p:txBody>
+          <a:bodyPr rtlCol="0" anchor="ctr"/>
+          <a:lstStyle/>
+          <a:p>
+            <a:pPr algn="ctr"/>
+            <a:endParaRPr lang="de-DE"/>
+          </a:p>
+        </p:txBody>
+      </p:sp>
+      <p:sp>
+        <p:nvSpPr>
+          <p:cNvPr id="13" name="Rechteck 12"/>
+          <p:cNvSpPr/>
+          <p:nvPr/>
+        </p:nvSpPr>
+        <p:spPr>
+          <a:xfrm>
+            <a:off x="7314331" y="917465"/>
+            <a:ext cx="1871003" cy="898790"/>
+          </a:xfrm>
+          <a:prstGeom prst="rect">
+            <a:avLst/>
+          </a:prstGeom>
+          <a:solidFill>
+            <a:schemeClr val="bg1"/>
+          </a:solidFill>
+          <a:ln>
+            <a:solidFill>
+              <a:schemeClr val="bg1"/>
+            </a:solidFill>
+          </a:ln>
+        </p:spPr>
+        <p:style>
+          <a:lnRef idx="2">
+            <a:schemeClr val="accent1">
+              <a:shade val="50000"/>
+            </a:schemeClr>
+          </a:lnRef>
+          <a:fillRef idx="1">
+            <a:schemeClr val="accent1"/>
+          </a:fillRef>
+          <a:effectRef idx="0">
+            <a:schemeClr val="accent1"/>
+          </a:effectRef>
+          <a:fontRef idx="minor">
+            <a:schemeClr val="lt1"/>
+          </a:fontRef>
+        </p:style>
+        <p:txBody>
+          <a:bodyPr rtlCol="0" anchor="ctr"/>
+          <a:lstStyle/>
+          <a:p>
+            <a:pPr algn="ctr"/>
+            <a:endParaRPr lang="de-DE"/>
+          </a:p>
+        </p:txBody>
+      </p:sp>
+      <p:pic>
+        <p:nvPicPr>
+          <p:cNvPr id="12" name="Grafik 11"/>
+          <p:cNvPicPr>
+            <a:picLocks noChangeAspect="1"/>
+          </p:cNvPicPr>
+          <p:nvPr/>
+        </p:nvPicPr>
+        <p:blipFill rotWithShape="1">
+          <a:blip r:embed="rId11">
+            <a:extLst>
+              <a:ext uri="{28A0092B-C50C-407E-A947-70E740481C1C}">
+                <a14:useLocalDpi xmlns:a14="http://schemas.microsoft.com/office/drawing/2010/main" val="0"/>
+              </a:ext>
+            </a:extLst>
+          </a:blip>
+          <a:srcRect t="4573"/>
+          <a:stretch/>
+        </p:blipFill>
+        <p:spPr>
+          <a:xfrm>
+            <a:off x="5841286" y="-1"/>
+            <a:ext cx="3329528" cy="1457651"/>
+          </a:xfrm>
+          <a:prstGeom prst="rect">
+            <a:avLst/>
+          </a:prstGeom>
+        </p:spPr>
+      </p:pic>
+      <p:sp>
+        <p:nvSpPr>
+          <p:cNvPr id="38" name="Rechteck 37"/>
+          <p:cNvSpPr/>
+          <p:nvPr/>
+        </p:nvSpPr>
+        <p:spPr>
+          <a:xfrm>
+            <a:off x="-294089" y="23188"/>
+            <a:ext cx="11925299" cy="6637296"/>
+          </a:xfrm>
+          <a:prstGeom prst="rect">
+            <a:avLst/>
+          </a:prstGeom>
+          <a:solidFill>
+            <a:schemeClr val="bg1">
+              <a:alpha val="49000"/>
+            </a:schemeClr>
+          </a:solidFill>
+          <a:ln>
+            <a:solidFill>
+              <a:schemeClr val="bg1"/>
+            </a:solidFill>
+          </a:ln>
+        </p:spPr>
+        <p:style>
+          <a:lnRef idx="2">
+            <a:schemeClr val="accent1">
+              <a:shade val="50000"/>
+            </a:schemeClr>
+          </a:lnRef>
+          <a:fillRef idx="1">
+            <a:schemeClr val="accent1"/>
+          </a:fillRef>
+          <a:effectRef idx="0">
+            <a:schemeClr val="accent1"/>
+          </a:effectRef>
+          <a:fontRef idx="minor">
+            <a:schemeClr val="lt1"/>
+          </a:fontRef>
+        </p:style>
+        <p:txBody>
+          <a:bodyPr rtlCol="0" anchor="ctr"/>
+          <a:lstStyle/>
+          <a:p>
+            <a:pPr algn="ctr"/>
+            <a:endParaRPr lang="de-DE"/>
+          </a:p>
+        </p:txBody>
+      </p:sp>
+      <p:pic>
+        <p:nvPicPr>
+          <p:cNvPr id="40" name="Grafik 39"/>
+          <p:cNvPicPr>
+            <a:picLocks noChangeAspect="1"/>
+          </p:cNvPicPr>
+          <p:nvPr/>
+        </p:nvPicPr>
+        <p:blipFill>
+          <a:blip r:embed="rId12">
+            <a:extLst>
+              <a:ext uri="{28A0092B-C50C-407E-A947-70E740481C1C}">
+                <a14:useLocalDpi xmlns:a14="http://schemas.microsoft.com/office/drawing/2010/main" val="0"/>
+              </a:ext>
+            </a:extLst>
+          </a:blip>
+          <a:stretch>
+            <a:fillRect/>
+          </a:stretch>
+        </p:blipFill>
+        <p:spPr>
+          <a:xfrm>
+            <a:off x="10786115" y="23188"/>
+            <a:ext cx="1237470" cy="1237470"/>
+          </a:xfrm>
+          <a:prstGeom prst="rect">
+            <a:avLst/>
+          </a:prstGeom>
+        </p:spPr>
+      </p:pic>
+      <p:grpSp>
+        <p:nvGrpSpPr>
+          <p:cNvPr id="39" name="Gruppieren 38"/>
+          <p:cNvGrpSpPr/>
+          <p:nvPr/>
+        </p:nvGrpSpPr>
+        <p:grpSpPr>
+          <a:xfrm>
+            <a:off x="4580471" y="1892839"/>
+            <a:ext cx="3031059" cy="3072323"/>
+            <a:chOff x="7838847" y="631018"/>
+            <a:chExt cx="2320434" cy="2352023"/>
+          </a:xfrm>
+        </p:grpSpPr>
+        <p:pic>
+          <p:nvPicPr>
+            <p:cNvPr id="41" name="Picture 10" descr="https://upload.wikimedia.org/wikipedia/commons/thumb/5/54/Tinkerforge_logo.svg/2000px-Tinkerforge_logo.svg.png"/>
+            <p:cNvPicPr>
+              <a:picLocks noChangeAspect="1" noChangeArrowheads="1"/>
+            </p:cNvPicPr>
+            <p:nvPr/>
+          </p:nvPicPr>
+          <p:blipFill>
+            <a:blip r:embed="rId13" cstate="hqprint">
+              <a:extLst>
+                <a:ext uri="{28A0092B-C50C-407E-A947-70E740481C1C}">
+                  <a14:useLocalDpi xmlns:a14="http://schemas.microsoft.com/office/drawing/2010/main" val="0"/>
+                </a:ext>
+              </a:extLst>
+            </a:blip>
+            <a:srcRect/>
+            <a:stretch>
+              <a:fillRect/>
+            </a:stretch>
+          </p:blipFill>
+          <p:spPr bwMode="auto">
+            <a:xfrm>
+              <a:off x="7838847" y="2486323"/>
+              <a:ext cx="2320434" cy="496718"/>
+            </a:xfrm>
+            <a:prstGeom prst="rect">
+              <a:avLst/>
+            </a:prstGeom>
+            <a:noFill/>
+            <a:extLst>
+              <a:ext uri="{909E8E84-426E-40DD-AFC4-6F175D3DCCD1}">
+                <a14:hiddenFill xmlns:a14="http://schemas.microsoft.com/office/drawing/2010/main">
+                  <a:solidFill>
+                    <a:srgbClr val="FFFFFF"/>
+                  </a:solidFill>
+                </a14:hiddenFill>
+              </a:ext>
+            </a:extLst>
+          </p:spPr>
+        </p:pic>
+        <p:pic>
+          <p:nvPicPr>
+            <p:cNvPr id="42" name="Picture 12" descr="http://www.tinkerforge.com/de/doc/_images/Bricklets/bricklet_ambient_light_master_1200.jpg"/>
+            <p:cNvPicPr>
+              <a:picLocks noChangeAspect="1" noChangeArrowheads="1"/>
+            </p:cNvPicPr>
+            <p:nvPr/>
+          </p:nvPicPr>
+          <p:blipFill rotWithShape="1">
+            <a:blip r:embed="rId14">
+              <a:extLst>
+                <a:ext uri="{28A0092B-C50C-407E-A947-70E740481C1C}">
+                  <a14:useLocalDpi xmlns:a14="http://schemas.microsoft.com/office/drawing/2010/main" val="0"/>
+                </a:ext>
+              </a:extLst>
+            </a:blip>
+            <a:srcRect l="20787" t="255" r="15562" b="13369"/>
+            <a:stretch/>
+          </p:blipFill>
+          <p:spPr bwMode="auto">
+            <a:xfrm>
+              <a:off x="8024950" y="631018"/>
+              <a:ext cx="1948228" cy="1762541"/>
+            </a:xfrm>
+            <a:prstGeom prst="rect">
+              <a:avLst/>
+            </a:prstGeom>
+            <a:noFill/>
+            <a:extLst>
+              <a:ext uri="{909E8E84-426E-40DD-AFC4-6F175D3DCCD1}">
+                <a14:hiddenFill xmlns:a14="http://schemas.microsoft.com/office/drawing/2010/main">
+                  <a:solidFill>
+                    <a:srgbClr val="FFFFFF"/>
+                  </a:solidFill>
+                </a14:hiddenFill>
+              </a:ext>
+            </a:extLst>
+          </p:spPr>
+        </p:pic>
+      </p:grpSp>
+      <p:grpSp>
+        <p:nvGrpSpPr>
+          <p:cNvPr id="43" name="Gruppieren 42"/>
+          <p:cNvGrpSpPr/>
+          <p:nvPr/>
+        </p:nvGrpSpPr>
+        <p:grpSpPr>
+          <a:xfrm>
+            <a:off x="10769934" y="5876282"/>
+            <a:ext cx="1237470" cy="830997"/>
+            <a:chOff x="10769934" y="5876282"/>
+            <a:chExt cx="1237470" cy="830997"/>
+          </a:xfrm>
+        </p:grpSpPr>
+        <p:sp>
+          <p:nvSpPr>
+            <p:cNvPr id="44" name="Textfeld 43"/>
+            <p:cNvSpPr txBox="1"/>
+            <p:nvPr/>
+          </p:nvSpPr>
+          <p:spPr>
+            <a:xfrm>
+              <a:off x="10769934" y="5876282"/>
+              <a:ext cx="1237470" cy="830997"/>
+            </a:xfrm>
+            <a:prstGeom prst="rect">
+              <a:avLst/>
+            </a:prstGeom>
+            <a:noFill/>
+          </p:spPr>
+          <p:txBody>
+            <a:bodyPr wrap="square" rtlCol="0">
+              <a:spAutoFit/>
+            </a:bodyPr>
+            <a:lstStyle/>
+            <a:p>
+              <a:pPr algn="r"/>
+              <a:r>
+                <a:rPr lang="de-DE" sz="1200" dirty="0"/>
+                <a:t>REST</a:t>
+              </a:r>
+            </a:p>
+            <a:p>
+              <a:pPr algn="r"/>
+              <a:r>
+                <a:rPr lang="de-DE" sz="1200" dirty="0"/>
+                <a:t>Bluetooth</a:t>
+              </a:r>
+            </a:p>
+            <a:p>
+              <a:pPr algn="r"/>
+              <a:r>
+                <a:rPr lang="de-DE" sz="1200" dirty="0"/>
+                <a:t>SSH</a:t>
+              </a:r>
+            </a:p>
+            <a:p>
+              <a:pPr algn="r"/>
+              <a:r>
+                <a:rPr lang="de-DE" sz="1200" dirty="0"/>
+                <a:t>Socket</a:t>
+              </a:r>
+            </a:p>
+          </p:txBody>
+        </p:sp>
+        <p:cxnSp>
+          <p:nvCxnSpPr>
+            <p:cNvPr id="45" name="Gerader Verbinder 44"/>
+            <p:cNvCxnSpPr/>
+            <p:nvPr/>
+          </p:nvCxnSpPr>
+          <p:spPr>
+            <a:xfrm flipH="1">
+              <a:off x="10955317" y="6013211"/>
+              <a:ext cx="603271" cy="0"/>
+            </a:xfrm>
+            <a:prstGeom prst="line">
+              <a:avLst/>
+            </a:prstGeom>
+            <a:ln w="38100">
+              <a:solidFill>
+                <a:schemeClr val="accent2">
+                  <a:lumMod val="75000"/>
+                </a:schemeClr>
+              </a:solidFill>
+            </a:ln>
+          </p:spPr>
+          <p:style>
+            <a:lnRef idx="1">
+              <a:schemeClr val="accent1"/>
+            </a:lnRef>
+            <a:fillRef idx="0">
+              <a:schemeClr val="accent1"/>
+            </a:fillRef>
+            <a:effectRef idx="0">
+              <a:schemeClr val="accent1"/>
+            </a:effectRef>
+            <a:fontRef idx="minor">
+              <a:schemeClr val="tx1"/>
+            </a:fontRef>
+          </p:style>
+        </p:cxnSp>
+        <p:cxnSp>
+          <p:nvCxnSpPr>
+            <p:cNvPr id="46" name="Gerader Verbinder 45"/>
+            <p:cNvCxnSpPr/>
+            <p:nvPr/>
+          </p:nvCxnSpPr>
+          <p:spPr>
+            <a:xfrm flipH="1">
+              <a:off x="10955317" y="6198956"/>
+              <a:ext cx="298471" cy="0"/>
+            </a:xfrm>
+            <a:prstGeom prst="line">
+              <a:avLst/>
+            </a:prstGeom>
+            <a:ln w="38100">
+              <a:solidFill>
+                <a:schemeClr val="accent1">
+                  <a:lumMod val="50000"/>
+                </a:schemeClr>
+              </a:solidFill>
+            </a:ln>
+          </p:spPr>
+          <p:style>
+            <a:lnRef idx="1">
+              <a:schemeClr val="accent1"/>
+            </a:lnRef>
+            <a:fillRef idx="0">
+              <a:schemeClr val="accent1"/>
+            </a:fillRef>
+            <a:effectRef idx="0">
+              <a:schemeClr val="accent1"/>
+            </a:effectRef>
+            <a:fontRef idx="minor">
+              <a:schemeClr val="tx1"/>
+            </a:fontRef>
+          </p:style>
+        </p:cxnSp>
+        <p:cxnSp>
+          <p:nvCxnSpPr>
+            <p:cNvPr id="47" name="Gerader Verbinder 46"/>
+            <p:cNvCxnSpPr/>
+            <p:nvPr/>
+          </p:nvCxnSpPr>
+          <p:spPr>
+            <a:xfrm flipH="1">
+              <a:off x="10955317" y="6379930"/>
+              <a:ext cx="675893" cy="0"/>
+            </a:xfrm>
+            <a:prstGeom prst="line">
+              <a:avLst/>
+            </a:prstGeom>
+            <a:ln w="38100">
+              <a:solidFill>
+                <a:schemeClr val="accent4">
+                  <a:lumMod val="75000"/>
+                </a:schemeClr>
+              </a:solidFill>
+            </a:ln>
+          </p:spPr>
+          <p:style>
+            <a:lnRef idx="1">
+              <a:schemeClr val="accent1"/>
+            </a:lnRef>
+            <a:fillRef idx="0">
+              <a:schemeClr val="accent1"/>
+            </a:fillRef>
+            <a:effectRef idx="0">
+              <a:schemeClr val="accent1"/>
+            </a:effectRef>
+            <a:fontRef idx="minor">
+              <a:schemeClr val="tx1"/>
+            </a:fontRef>
+          </p:style>
+        </p:cxnSp>
+        <p:cxnSp>
+          <p:nvCxnSpPr>
+            <p:cNvPr id="48" name="Gerader Verbinder 47"/>
+            <p:cNvCxnSpPr/>
+            <p:nvPr/>
+          </p:nvCxnSpPr>
+          <p:spPr>
+            <a:xfrm flipH="1">
+              <a:off x="10955318" y="6561915"/>
+              <a:ext cx="479445" cy="0"/>
+            </a:xfrm>
+            <a:prstGeom prst="line">
+              <a:avLst/>
+            </a:prstGeom>
+            <a:ln w="38100">
+              <a:solidFill>
+                <a:srgbClr val="7030A0"/>
+              </a:solidFill>
+            </a:ln>
+          </p:spPr>
+          <p:style>
+            <a:lnRef idx="1">
+              <a:schemeClr val="accent1"/>
+            </a:lnRef>
+            <a:fillRef idx="0">
+              <a:schemeClr val="accent1"/>
+            </a:fillRef>
+            <a:effectRef idx="0">
+              <a:schemeClr val="accent1"/>
+            </a:effectRef>
+            <a:fontRef idx="minor">
+              <a:schemeClr val="tx1"/>
+            </a:fontRef>
+          </p:style>
+        </p:cxnSp>
+      </p:grpSp>
+      <p:cxnSp>
+        <p:nvCxnSpPr>
+          <p:cNvPr id="49" name="Gerade Verbindung mit Pfeil 48"/>
+          <p:cNvCxnSpPr/>
+          <p:nvPr/>
+        </p:nvCxnSpPr>
+        <p:spPr>
+          <a:xfrm flipH="1">
+            <a:off x="7698186" y="917465"/>
+            <a:ext cx="2829906" cy="1686035"/>
+          </a:xfrm>
+          <a:prstGeom prst="straightConnector1">
+            <a:avLst/>
+          </a:prstGeom>
+          <a:ln w="76200">
+            <a:solidFill>
+              <a:srgbClr val="7030A0"/>
+            </a:solidFill>
+            <a:headEnd type="triangle" w="med" len="med"/>
+            <a:tailEnd type="none" w="med" len="med"/>
+          </a:ln>
+        </p:spPr>
+        <p:style>
+          <a:lnRef idx="3">
+            <a:schemeClr val="accent6"/>
+          </a:lnRef>
+          <a:fillRef idx="0">
+            <a:schemeClr val="accent6"/>
+          </a:fillRef>
+          <a:effectRef idx="2">
+            <a:schemeClr val="accent6"/>
+          </a:effectRef>
+          <a:fontRef idx="minor">
+            <a:schemeClr val="tx1"/>
+          </a:fontRef>
+        </p:style>
+      </p:cxnSp>
+    </p:spTree>
+    <p:extLst>
+      <p:ext uri="{BB962C8B-B14F-4D97-AF65-F5344CB8AC3E}">
+        <p14:creationId xmlns:p14="http://schemas.microsoft.com/office/powerpoint/2010/main" val="4203861690"/>
+      </p:ext>
+    </p:extLst>
+  </p:cSld>
+  <p:clrMapOvr>
+    <a:masterClrMapping/>
+  </p:clrMapOvr>
+</p:sld>
+</file>
+
+<file path=ppt/slides/slide12.xml><?xml version="1.0" encoding="utf-8"?>
+<p:sld xmlns:a="http://schemas.openxmlformats.org/drawingml/2006/main" xmlns:r="http://schemas.openxmlformats.org/officeDocument/2006/relationships" xmlns:p="http://schemas.openxmlformats.org/presentationml/2006/main">
+  <p:cSld>
+    <p:spTree>
+      <p:nvGrpSpPr>
+        <p:cNvPr id="1" name=""/>
+        <p:cNvGrpSpPr/>
+        <p:nvPr/>
+      </p:nvGrpSpPr>
+      <p:grpSpPr>
+        <a:xfrm>
+          <a:off x="0" y="0"/>
+          <a:ext cx="0" cy="0"/>
+          <a:chOff x="0" y="0"/>
+          <a:chExt cx="0" cy="0"/>
+        </a:xfrm>
+      </p:grpSpPr>
+      <p:sp>
+        <p:nvSpPr>
+          <p:cNvPr id="3" name="Ellipse 2"/>
+          <p:cNvSpPr/>
+          <p:nvPr/>
+        </p:nvSpPr>
+        <p:spPr>
+          <a:xfrm>
+            <a:off x="1067840" y="437641"/>
+            <a:ext cx="10056321" cy="5982718"/>
+          </a:xfrm>
+          <a:prstGeom prst="ellipse">
+            <a:avLst/>
+          </a:prstGeom>
+          <a:noFill/>
+          <a:ln w="381000">
+            <a:solidFill>
+              <a:srgbClr val="7ABCD4"/>
+            </a:solidFill>
+          </a:ln>
+        </p:spPr>
+        <p:style>
+          <a:lnRef idx="2">
+            <a:schemeClr val="accent4"/>
+          </a:lnRef>
+          <a:fillRef idx="1">
+            <a:schemeClr val="lt1"/>
+          </a:fillRef>
+          <a:effectRef idx="0">
+            <a:schemeClr val="accent4"/>
+          </a:effectRef>
+          <a:fontRef idx="minor">
+            <a:schemeClr val="dk1"/>
+          </a:fontRef>
+        </p:style>
+        <p:txBody>
+          <a:bodyPr rtlCol="0" anchor="ctr"/>
+          <a:lstStyle/>
+          <a:p>
+            <a:pPr algn="ctr"/>
+            <a:endParaRPr lang="de-DE"/>
+          </a:p>
+        </p:txBody>
+      </p:sp>
+      <p:sp>
+        <p:nvSpPr>
+          <p:cNvPr id="30" name="Rechteck 29"/>
+          <p:cNvSpPr/>
+          <p:nvPr/>
+        </p:nvSpPr>
+        <p:spPr>
+          <a:xfrm>
+            <a:off x="10528092" y="3802749"/>
+            <a:ext cx="596068" cy="737405"/>
+          </a:xfrm>
+          <a:prstGeom prst="rect">
+            <a:avLst/>
+          </a:prstGeom>
+          <a:solidFill>
+            <a:schemeClr val="bg1"/>
+          </a:solidFill>
+          <a:ln>
+            <a:solidFill>
+              <a:schemeClr val="bg1"/>
+            </a:solidFill>
+          </a:ln>
+        </p:spPr>
+        <p:style>
+          <a:lnRef idx="2">
+            <a:schemeClr val="accent1">
+              <a:shade val="50000"/>
+            </a:schemeClr>
+          </a:lnRef>
+          <a:fillRef idx="1">
+            <a:schemeClr val="accent1"/>
+          </a:fillRef>
+          <a:effectRef idx="0">
+            <a:schemeClr val="accent1"/>
+          </a:effectRef>
+          <a:fontRef idx="minor">
+            <a:schemeClr val="lt1"/>
+          </a:fontRef>
+        </p:style>
+        <p:txBody>
+          <a:bodyPr rtlCol="0" anchor="ctr"/>
+          <a:lstStyle/>
+          <a:p>
+            <a:pPr algn="ctr"/>
+            <a:endParaRPr lang="de-DE"/>
+          </a:p>
+        </p:txBody>
+      </p:sp>
+      <p:sp>
+        <p:nvSpPr>
+          <p:cNvPr id="31" name="Rechteck 30"/>
+          <p:cNvSpPr/>
+          <p:nvPr/>
+        </p:nvSpPr>
+        <p:spPr>
+          <a:xfrm>
+            <a:off x="10379360" y="2385764"/>
+            <a:ext cx="744800" cy="737405"/>
+          </a:xfrm>
+          <a:prstGeom prst="rect">
+            <a:avLst/>
+          </a:prstGeom>
+          <a:solidFill>
+            <a:schemeClr val="bg1"/>
+          </a:solidFill>
+          <a:ln>
+            <a:solidFill>
+              <a:schemeClr val="bg1"/>
+            </a:solidFill>
+          </a:ln>
+        </p:spPr>
+        <p:style>
+          <a:lnRef idx="2">
+            <a:schemeClr val="accent1">
+              <a:shade val="50000"/>
+            </a:schemeClr>
+          </a:lnRef>
+          <a:fillRef idx="1">
+            <a:schemeClr val="accent1"/>
+          </a:fillRef>
+          <a:effectRef idx="0">
+            <a:schemeClr val="accent1"/>
+          </a:effectRef>
+          <a:fontRef idx="minor">
+            <a:schemeClr val="lt1"/>
+          </a:fontRef>
+        </p:style>
+        <p:txBody>
+          <a:bodyPr rtlCol="0" anchor="ctr"/>
+          <a:lstStyle/>
+          <a:p>
+            <a:pPr algn="ctr"/>
+            <a:endParaRPr lang="de-DE"/>
+          </a:p>
+        </p:txBody>
+      </p:sp>
+      <p:sp>
+        <p:nvSpPr>
+          <p:cNvPr id="36" name="Rechteck 35"/>
+          <p:cNvSpPr/>
+          <p:nvPr/>
+        </p:nvSpPr>
+        <p:spPr>
+          <a:xfrm>
+            <a:off x="2188216" y="5124128"/>
+            <a:ext cx="427224" cy="737405"/>
+          </a:xfrm>
+          <a:prstGeom prst="rect">
+            <a:avLst/>
+          </a:prstGeom>
+          <a:solidFill>
+            <a:schemeClr val="bg1"/>
+          </a:solidFill>
+          <a:ln>
+            <a:solidFill>
+              <a:schemeClr val="bg1"/>
+            </a:solidFill>
+          </a:ln>
+        </p:spPr>
+        <p:style>
+          <a:lnRef idx="2">
+            <a:schemeClr val="accent1">
+              <a:shade val="50000"/>
+            </a:schemeClr>
+          </a:lnRef>
+          <a:fillRef idx="1">
+            <a:schemeClr val="accent1"/>
+          </a:fillRef>
+          <a:effectRef idx="0">
+            <a:schemeClr val="accent1"/>
+          </a:effectRef>
+          <a:fontRef idx="minor">
+            <a:schemeClr val="lt1"/>
+          </a:fontRef>
+        </p:style>
+        <p:txBody>
+          <a:bodyPr rtlCol="0" anchor="ctr"/>
+          <a:lstStyle/>
+          <a:p>
+            <a:pPr algn="ctr"/>
+            <a:endParaRPr lang="de-DE"/>
+          </a:p>
+        </p:txBody>
+      </p:sp>
+      <p:sp>
+        <p:nvSpPr>
+          <p:cNvPr id="21" name="Rechteck 20"/>
+          <p:cNvSpPr/>
+          <p:nvPr/>
+        </p:nvSpPr>
+        <p:spPr>
+          <a:xfrm>
+            <a:off x="811417" y="1124232"/>
+            <a:ext cx="1203426" cy="2864672"/>
+          </a:xfrm>
+          <a:prstGeom prst="rect">
+            <a:avLst/>
+          </a:prstGeom>
+          <a:solidFill>
+            <a:schemeClr val="bg1"/>
+          </a:solidFill>
+          <a:ln>
+            <a:solidFill>
+              <a:schemeClr val="bg1"/>
+            </a:solidFill>
+          </a:ln>
+        </p:spPr>
+        <p:style>
+          <a:lnRef idx="2">
+            <a:schemeClr val="accent1">
+              <a:shade val="50000"/>
+            </a:schemeClr>
+          </a:lnRef>
+          <a:fillRef idx="1">
+            <a:schemeClr val="accent1"/>
+          </a:fillRef>
+          <a:effectRef idx="0">
+            <a:schemeClr val="accent1"/>
+          </a:effectRef>
+          <a:fontRef idx="minor">
+            <a:schemeClr val="lt1"/>
+          </a:fontRef>
+        </p:style>
+        <p:txBody>
+          <a:bodyPr rtlCol="0" anchor="ctr"/>
+          <a:lstStyle/>
+          <a:p>
+            <a:pPr algn="ctr"/>
+            <a:endParaRPr lang="de-DE"/>
+          </a:p>
+        </p:txBody>
+      </p:sp>
+      <p:sp>
+        <p:nvSpPr>
+          <p:cNvPr id="35" name="Rechteck 34"/>
+          <p:cNvSpPr/>
+          <p:nvPr/>
+        </p:nvSpPr>
+        <p:spPr>
+          <a:xfrm>
+            <a:off x="1124992" y="4630595"/>
+            <a:ext cx="687648" cy="737405"/>
+          </a:xfrm>
+          <a:prstGeom prst="rect">
+            <a:avLst/>
+          </a:prstGeom>
+          <a:solidFill>
+            <a:schemeClr val="bg1"/>
+          </a:solidFill>
+          <a:ln>
+            <a:solidFill>
+              <a:schemeClr val="bg1"/>
+            </a:solidFill>
+          </a:ln>
+        </p:spPr>
+        <p:style>
+          <a:lnRef idx="2">
+            <a:schemeClr val="accent1">
+              <a:shade val="50000"/>
+            </a:schemeClr>
+          </a:lnRef>
+          <a:fillRef idx="1">
+            <a:schemeClr val="accent1"/>
+          </a:fillRef>
+          <a:effectRef idx="0">
+            <a:schemeClr val="accent1"/>
+          </a:effectRef>
+          <a:fontRef idx="minor">
+            <a:schemeClr val="lt1"/>
+          </a:fontRef>
+        </p:style>
+        <p:txBody>
+          <a:bodyPr rtlCol="0" anchor="ctr"/>
+          <a:lstStyle/>
+          <a:p>
+            <a:pPr algn="ctr"/>
+            <a:endParaRPr lang="de-DE"/>
+          </a:p>
+        </p:txBody>
+      </p:sp>
+      <p:pic>
+        <p:nvPicPr>
+          <p:cNvPr id="1032" name="Picture 8" descr="https://s.aolcdn.com/hss/storage/midas/965fc84051391e2ed53ce19881178931/202486815/10+am+Official+Announce_G_FB+copy.jpg"/>
+          <p:cNvPicPr>
+            <a:picLocks noChangeAspect="1" noChangeArrowheads="1"/>
+          </p:cNvPicPr>
+          <p:nvPr/>
+        </p:nvPicPr>
+        <p:blipFill rotWithShape="1">
+          <a:blip r:embed="rId2" cstate="hqprint">
+            <a:extLst>
+              <a:ext uri="{28A0092B-C50C-407E-A947-70E740481C1C}">
+                <a14:useLocalDpi xmlns:a14="http://schemas.microsoft.com/office/drawing/2010/main" val="0"/>
+              </a:ext>
+            </a:extLst>
+          </a:blip>
+          <a:srcRect l="28508" t="2705" r="22884"/>
+          <a:stretch/>
+        </p:blipFill>
+        <p:spPr bwMode="auto">
+          <a:xfrm>
+            <a:off x="10151032" y="2457159"/>
+            <a:ext cx="1608568" cy="2025491"/>
+          </a:xfrm>
+          <a:prstGeom prst="rect">
+            <a:avLst/>
+          </a:prstGeom>
+          <a:noFill/>
+          <a:extLst>
+            <a:ext uri="{909E8E84-426E-40DD-AFC4-6F175D3DCCD1}">
+              <a14:hiddenFill xmlns:a14="http://schemas.microsoft.com/office/drawing/2010/main">
+                <a:solidFill>
+                  <a:srgbClr val="FFFFFF"/>
+                </a:solidFill>
+              </a14:hiddenFill>
+            </a:ext>
+          </a:extLst>
+        </p:spPr>
+      </p:pic>
+      <p:grpSp>
+        <p:nvGrpSpPr>
+          <p:cNvPr id="6" name="Gruppieren 5"/>
+          <p:cNvGrpSpPr/>
+          <p:nvPr/>
+        </p:nvGrpSpPr>
+        <p:grpSpPr>
+          <a:xfrm>
+            <a:off x="1124992" y="4692141"/>
+            <a:ext cx="1539536" cy="1560495"/>
+            <a:chOff x="7838847" y="631018"/>
+            <a:chExt cx="2320434" cy="2352023"/>
+          </a:xfrm>
+        </p:grpSpPr>
+        <p:pic>
+          <p:nvPicPr>
+            <p:cNvPr id="1034" name="Picture 10" descr="https://upload.wikimedia.org/wikipedia/commons/thumb/5/54/Tinkerforge_logo.svg/2000px-Tinkerforge_logo.svg.png"/>
+            <p:cNvPicPr>
+              <a:picLocks noChangeAspect="1" noChangeArrowheads="1"/>
+            </p:cNvPicPr>
+            <p:nvPr/>
+          </p:nvPicPr>
+          <p:blipFill>
+            <a:blip r:embed="rId3" cstate="hqprint">
+              <a:extLst>
+                <a:ext uri="{28A0092B-C50C-407E-A947-70E740481C1C}">
+                  <a14:useLocalDpi xmlns:a14="http://schemas.microsoft.com/office/drawing/2010/main" val="0"/>
+                </a:ext>
+              </a:extLst>
+            </a:blip>
+            <a:srcRect/>
+            <a:stretch>
+              <a:fillRect/>
+            </a:stretch>
+          </p:blipFill>
+          <p:spPr bwMode="auto">
+            <a:xfrm>
+              <a:off x="7838847" y="2486323"/>
+              <a:ext cx="2320434" cy="496718"/>
+            </a:xfrm>
+            <a:prstGeom prst="rect">
+              <a:avLst/>
+            </a:prstGeom>
+            <a:noFill/>
+            <a:extLst>
+              <a:ext uri="{909E8E84-426E-40DD-AFC4-6F175D3DCCD1}">
+                <a14:hiddenFill xmlns:a14="http://schemas.microsoft.com/office/drawing/2010/main">
+                  <a:solidFill>
+                    <a:srgbClr val="FFFFFF"/>
+                  </a:solidFill>
+                </a14:hiddenFill>
+              </a:ext>
+            </a:extLst>
+          </p:spPr>
+        </p:pic>
+        <p:pic>
+          <p:nvPicPr>
+            <p:cNvPr id="1036" name="Picture 12" descr="http://www.tinkerforge.com/de/doc/_images/Bricklets/bricklet_ambient_light_master_1200.jpg"/>
+            <p:cNvPicPr>
+              <a:picLocks noChangeAspect="1" noChangeArrowheads="1"/>
+            </p:cNvPicPr>
+            <p:nvPr/>
+          </p:nvPicPr>
+          <p:blipFill rotWithShape="1">
+            <a:blip r:embed="rId4" cstate="hqprint">
+              <a:extLst>
+                <a:ext uri="{28A0092B-C50C-407E-A947-70E740481C1C}">
+                  <a14:useLocalDpi xmlns:a14="http://schemas.microsoft.com/office/drawing/2010/main" val="0"/>
+                </a:ext>
+              </a:extLst>
+            </a:blip>
+            <a:srcRect l="20787" t="255" r="15562" b="13369"/>
+            <a:stretch/>
+          </p:blipFill>
+          <p:spPr bwMode="auto">
+            <a:xfrm>
+              <a:off x="8024950" y="631018"/>
+              <a:ext cx="1948228" cy="1762541"/>
+            </a:xfrm>
+            <a:prstGeom prst="rect">
+              <a:avLst/>
+            </a:prstGeom>
+            <a:noFill/>
+            <a:extLst>
+              <a:ext uri="{909E8E84-426E-40DD-AFC4-6F175D3DCCD1}">
+                <a14:hiddenFill xmlns:a14="http://schemas.microsoft.com/office/drawing/2010/main">
+                  <a:solidFill>
+                    <a:srgbClr val="FFFFFF"/>
+                  </a:solidFill>
+                </a14:hiddenFill>
+              </a:ext>
+            </a:extLst>
+          </p:spPr>
+        </p:pic>
+      </p:grpSp>
+      <p:grpSp>
+        <p:nvGrpSpPr>
+          <p:cNvPr id="14" name="Gruppieren 13"/>
+          <p:cNvGrpSpPr/>
+          <p:nvPr/>
+        </p:nvGrpSpPr>
+        <p:grpSpPr>
+          <a:xfrm>
+            <a:off x="3241567" y="118198"/>
+            <a:ext cx="1318608" cy="1536192"/>
+            <a:chOff x="3241567" y="118198"/>
+            <a:chExt cx="1318608" cy="1536192"/>
+          </a:xfrm>
+        </p:grpSpPr>
+        <p:sp>
+          <p:nvSpPr>
+            <p:cNvPr id="8" name="Rechteck 7"/>
+            <p:cNvSpPr/>
+            <p:nvPr/>
+          </p:nvSpPr>
+          <p:spPr>
+            <a:xfrm>
+              <a:off x="3272654" y="118198"/>
+              <a:ext cx="1203426" cy="1536192"/>
+            </a:xfrm>
+            <a:prstGeom prst="rect">
+              <a:avLst/>
+            </a:prstGeom>
+            <a:solidFill>
+              <a:schemeClr val="bg1"/>
+            </a:solidFill>
+            <a:ln>
+              <a:solidFill>
+                <a:schemeClr val="bg1"/>
+              </a:solidFill>
+            </a:ln>
+          </p:spPr>
+          <p:style>
+            <a:lnRef idx="2">
+              <a:schemeClr val="accent1">
+                <a:shade val="50000"/>
+              </a:schemeClr>
+            </a:lnRef>
+            <a:fillRef idx="1">
+              <a:schemeClr val="accent1"/>
+            </a:fillRef>
+            <a:effectRef idx="0">
+              <a:schemeClr val="accent1"/>
+            </a:effectRef>
+            <a:fontRef idx="minor">
+              <a:schemeClr val="lt1"/>
+            </a:fontRef>
+          </p:style>
+          <p:txBody>
+            <a:bodyPr rtlCol="0" anchor="ctr"/>
+            <a:lstStyle/>
+            <a:p>
+              <a:pPr algn="ctr"/>
+              <a:endParaRPr lang="de-DE"/>
+            </a:p>
+          </p:txBody>
+        </p:sp>
+        <p:pic>
+          <p:nvPicPr>
+            <p:cNvPr id="1038" name="Picture 14" descr="http://static1.squarespace.com/static/528d4dc5e4b0d652da273726/t/5758ef524c2f85732d8f8bd2/1467817174508/?format=1000w"/>
+            <p:cNvPicPr>
+              <a:picLocks noChangeAspect="1" noChangeArrowheads="1"/>
+            </p:cNvPicPr>
+            <p:nvPr/>
+          </p:nvPicPr>
+          <p:blipFill>
+            <a:blip r:embed="rId5" cstate="hqprint">
+              <a:extLst>
+                <a:ext uri="{28A0092B-C50C-407E-A947-70E740481C1C}">
+                  <a14:useLocalDpi xmlns:a14="http://schemas.microsoft.com/office/drawing/2010/main" val="0"/>
+                </a:ext>
+              </a:extLst>
+            </a:blip>
+            <a:srcRect/>
+            <a:stretch>
+              <a:fillRect/>
+            </a:stretch>
+          </p:blipFill>
+          <p:spPr bwMode="auto">
+            <a:xfrm>
+              <a:off x="3241567" y="118198"/>
+              <a:ext cx="1318608" cy="1318608"/>
+            </a:xfrm>
+            <a:prstGeom prst="rect">
+              <a:avLst/>
+            </a:prstGeom>
+            <a:noFill/>
+            <a:extLst>
+              <a:ext uri="{909E8E84-426E-40DD-AFC4-6F175D3DCCD1}">
+                <a14:hiddenFill xmlns:a14="http://schemas.microsoft.com/office/drawing/2010/main">
+                  <a:solidFill>
+                    <a:srgbClr val="FFFFFF"/>
+                  </a:solidFill>
+                </a14:hiddenFill>
+              </a:ext>
+            </a:extLst>
+          </p:spPr>
+        </p:pic>
+      </p:grpSp>
+      <p:sp>
+        <p:nvSpPr>
+          <p:cNvPr id="34" name="Rechteck 33"/>
+          <p:cNvSpPr/>
+          <p:nvPr/>
+        </p:nvSpPr>
+        <p:spPr>
+          <a:xfrm>
+            <a:off x="9402094" y="5649272"/>
+            <a:ext cx="427224" cy="737405"/>
+          </a:xfrm>
+          <a:prstGeom prst="rect">
+            <a:avLst/>
+          </a:prstGeom>
+          <a:solidFill>
+            <a:schemeClr val="bg1"/>
+          </a:solidFill>
+          <a:ln>
+            <a:solidFill>
+              <a:schemeClr val="bg1"/>
+            </a:solidFill>
+          </a:ln>
+        </p:spPr>
+        <p:style>
+          <a:lnRef idx="2">
+            <a:schemeClr val="accent1">
+              <a:shade val="50000"/>
+            </a:schemeClr>
+          </a:lnRef>
+          <a:fillRef idx="1">
+            <a:schemeClr val="accent1"/>
+          </a:fillRef>
+          <a:effectRef idx="0">
+            <a:schemeClr val="accent1"/>
+          </a:effectRef>
+          <a:fontRef idx="minor">
+            <a:schemeClr val="lt1"/>
+          </a:fontRef>
+        </p:style>
+        <p:txBody>
+          <a:bodyPr rtlCol="0" anchor="ctr"/>
+          <a:lstStyle/>
+          <a:p>
+            <a:pPr algn="ctr"/>
+            <a:endParaRPr lang="de-DE"/>
+          </a:p>
+        </p:txBody>
+      </p:sp>
+      <p:sp>
+        <p:nvSpPr>
+          <p:cNvPr id="33" name="Rechteck 32"/>
+          <p:cNvSpPr/>
+          <p:nvPr/>
+        </p:nvSpPr>
+        <p:spPr>
+          <a:xfrm>
+            <a:off x="9068146" y="5185674"/>
+            <a:ext cx="427224" cy="737405"/>
+          </a:xfrm>
+          <a:prstGeom prst="rect">
+            <a:avLst/>
+          </a:prstGeom>
+          <a:solidFill>
+            <a:schemeClr val="bg1"/>
+          </a:solidFill>
+          <a:ln>
+            <a:solidFill>
+              <a:schemeClr val="bg1"/>
+            </a:solidFill>
+          </a:ln>
+        </p:spPr>
+        <p:style>
+          <a:lnRef idx="2">
+            <a:schemeClr val="accent1">
+              <a:shade val="50000"/>
+            </a:schemeClr>
+          </a:lnRef>
+          <a:fillRef idx="1">
+            <a:schemeClr val="accent1"/>
+          </a:fillRef>
+          <a:effectRef idx="0">
+            <a:schemeClr val="accent1"/>
+          </a:effectRef>
+          <a:fontRef idx="minor">
+            <a:schemeClr val="lt1"/>
+          </a:fontRef>
+        </p:style>
+        <p:txBody>
+          <a:bodyPr rtlCol="0" anchor="ctr"/>
+          <a:lstStyle/>
+          <a:p>
+            <a:pPr algn="ctr"/>
+            <a:endParaRPr lang="de-DE"/>
+          </a:p>
+        </p:txBody>
+      </p:sp>
+      <p:sp>
+        <p:nvSpPr>
+          <p:cNvPr id="15" name="Rechteck 14"/>
+          <p:cNvSpPr/>
+          <p:nvPr/>
+        </p:nvSpPr>
+        <p:spPr>
+          <a:xfrm>
+            <a:off x="4476080" y="5923079"/>
+            <a:ext cx="427224" cy="737405"/>
+          </a:xfrm>
+          <a:prstGeom prst="rect">
+            <a:avLst/>
+          </a:prstGeom>
+          <a:solidFill>
+            <a:schemeClr val="bg1"/>
+          </a:solidFill>
+          <a:ln>
+            <a:solidFill>
+              <a:schemeClr val="bg1"/>
+            </a:solidFill>
+          </a:ln>
+        </p:spPr>
+        <p:style>
+          <a:lnRef idx="2">
+            <a:schemeClr val="accent1">
+              <a:shade val="50000"/>
+            </a:schemeClr>
+          </a:lnRef>
+          <a:fillRef idx="1">
+            <a:schemeClr val="accent1"/>
+          </a:fillRef>
+          <a:effectRef idx="0">
+            <a:schemeClr val="accent1"/>
+          </a:effectRef>
+          <a:fontRef idx="minor">
+            <a:schemeClr val="lt1"/>
+          </a:fontRef>
+        </p:style>
+        <p:txBody>
+          <a:bodyPr rtlCol="0" anchor="ctr"/>
+          <a:lstStyle/>
+          <a:p>
+            <a:pPr algn="ctr"/>
+            <a:endParaRPr lang="de-DE"/>
+          </a:p>
+        </p:txBody>
+      </p:sp>
+      <p:grpSp>
+        <p:nvGrpSpPr>
+          <p:cNvPr id="7" name="Gruppieren 6"/>
+          <p:cNvGrpSpPr/>
+          <p:nvPr/>
+        </p:nvGrpSpPr>
+        <p:grpSpPr>
+          <a:xfrm>
+            <a:off x="8615747" y="5166291"/>
+            <a:ext cx="1653535" cy="1402214"/>
+            <a:chOff x="5491776" y="1245704"/>
+            <a:chExt cx="3120019" cy="2645807"/>
+          </a:xfrm>
+        </p:grpSpPr>
+        <p:pic>
+          <p:nvPicPr>
+            <p:cNvPr id="1040" name="Picture 16" descr="http://www.philips.com/consumerfiles/newscenter/main/shared/assets/de/SmallParagraphImage/news/licht/20160314_Philips_Hue_white_ambiance_E27_1.jpg"/>
+            <p:cNvPicPr>
+              <a:picLocks noChangeAspect="1" noChangeArrowheads="1"/>
+            </p:cNvPicPr>
+            <p:nvPr/>
+          </p:nvPicPr>
+          <p:blipFill rotWithShape="1">
+            <a:blip r:embed="rId6" cstate="hqprint">
+              <a:extLst>
+                <a:ext uri="{28A0092B-C50C-407E-A947-70E740481C1C}">
+                  <a14:useLocalDpi xmlns:a14="http://schemas.microsoft.com/office/drawing/2010/main" val="0"/>
+                </a:ext>
+              </a:extLst>
+            </a:blip>
+            <a:srcRect l="34928" t="24652" r="32837" b="21863"/>
+            <a:stretch/>
+          </p:blipFill>
+          <p:spPr bwMode="auto">
+            <a:xfrm>
+              <a:off x="5491776" y="1245704"/>
+              <a:ext cx="1559722" cy="2587902"/>
+            </a:xfrm>
+            <a:prstGeom prst="rect">
+              <a:avLst/>
+            </a:prstGeom>
+            <a:noFill/>
+            <a:extLst>
+              <a:ext uri="{909E8E84-426E-40DD-AFC4-6F175D3DCCD1}">
+                <a14:hiddenFill xmlns:a14="http://schemas.microsoft.com/office/drawing/2010/main">
+                  <a:solidFill>
+                    <a:srgbClr val="FFFFFF"/>
+                  </a:solidFill>
+                </a14:hiddenFill>
+              </a:ext>
+            </a:extLst>
+          </p:spPr>
+        </p:pic>
+        <p:pic>
+          <p:nvPicPr>
+            <p:cNvPr id="1042" name="Picture 18" descr="https://camo.githubusercontent.com/0d0cfb0d8a0ebddeaaf0b7a51c78c08200f3c381/687474703a2f2f61313036362e70686f626f732e6170706c652e636f6d2f75732f72313030302f3131372f507572706c652f76342f31302f62652f37382f31306265373831302d383938322d646437332d336165372d6339373539316138376565372f6d7a6d2e7979767565706a642e706e67"/>
+            <p:cNvPicPr>
+              <a:picLocks noChangeAspect="1" noChangeArrowheads="1"/>
+            </p:cNvPicPr>
+            <p:nvPr/>
+          </p:nvPicPr>
+          <p:blipFill>
+            <a:blip r:embed="rId7" cstate="hqprint">
+              <a:extLst>
+                <a:ext uri="{28A0092B-C50C-407E-A947-70E740481C1C}">
+                  <a14:useLocalDpi xmlns:a14="http://schemas.microsoft.com/office/drawing/2010/main" val="0"/>
+                </a:ext>
+              </a:extLst>
+            </a:blip>
+            <a:srcRect/>
+            <a:stretch>
+              <a:fillRect/>
+            </a:stretch>
+          </p:blipFill>
+          <p:spPr bwMode="auto">
+            <a:xfrm>
+              <a:off x="7051498" y="2331214"/>
+              <a:ext cx="1560297" cy="1560297"/>
+            </a:xfrm>
+            <a:prstGeom prst="rect">
+              <a:avLst/>
+            </a:prstGeom>
+            <a:noFill/>
+            <a:extLst>
+              <a:ext uri="{909E8E84-426E-40DD-AFC4-6F175D3DCCD1}">
+                <a14:hiddenFill xmlns:a14="http://schemas.microsoft.com/office/drawing/2010/main">
+                  <a:solidFill>
+                    <a:srgbClr val="FFFFFF"/>
+                  </a:solidFill>
+                </a14:hiddenFill>
+              </a:ext>
+            </a:extLst>
+          </p:spPr>
+        </p:pic>
+      </p:grpSp>
+      <p:pic>
+        <p:nvPicPr>
+          <p:cNvPr id="1044" name="Picture 20" descr="https://img.conrad.de/medias/global/ce/4000_4999/4700/4760/4760/1276191_RB_00_FB.EPS_1000.jpg"/>
+          <p:cNvPicPr>
+            <a:picLocks noChangeAspect="1" noChangeArrowheads="1"/>
+          </p:cNvPicPr>
+          <p:nvPr/>
+        </p:nvPicPr>
+        <p:blipFill rotWithShape="1">
+          <a:blip r:embed="rId8" cstate="hqprint">
+            <a:extLst>
+              <a:ext uri="{28A0092B-C50C-407E-A947-70E740481C1C}">
+                <a14:useLocalDpi xmlns:a14="http://schemas.microsoft.com/office/drawing/2010/main" val="0"/>
+              </a:ext>
+            </a:extLst>
+          </a:blip>
+          <a:srcRect l="247" t="22416" r="-1" b="22935"/>
+          <a:stretch/>
+        </p:blipFill>
+        <p:spPr bwMode="auto">
+          <a:xfrm>
+            <a:off x="4550465" y="5435360"/>
+            <a:ext cx="2236192" cy="1225124"/>
+          </a:xfrm>
+          <a:prstGeom prst="rect">
+            <a:avLst/>
+          </a:prstGeom>
+          <a:noFill/>
+          <a:extLst>
+            <a:ext uri="{909E8E84-426E-40DD-AFC4-6F175D3DCCD1}">
+              <a14:hiddenFill xmlns:a14="http://schemas.microsoft.com/office/drawing/2010/main">
+                <a:solidFill>
+                  <a:srgbClr val="FFFFFF"/>
+                </a:solidFill>
+              </a14:hiddenFill>
+            </a:ext>
+          </a:extLst>
+        </p:spPr>
+      </p:pic>
+      <p:grpSp>
+        <p:nvGrpSpPr>
+          <p:cNvPr id="5" name="Gruppieren 4"/>
+          <p:cNvGrpSpPr/>
+          <p:nvPr/>
+        </p:nvGrpSpPr>
+        <p:grpSpPr>
+          <a:xfrm>
+            <a:off x="341595" y="1477108"/>
+            <a:ext cx="1811575" cy="2410989"/>
+            <a:chOff x="1684873" y="0"/>
+            <a:chExt cx="3233531" cy="4303442"/>
+          </a:xfrm>
+        </p:grpSpPr>
+        <p:pic>
+          <p:nvPicPr>
+            <p:cNvPr id="1030" name="Picture 6" descr="https://s4.kaercher-media.com/image/products/1024920203.jpg"/>
+            <p:cNvPicPr>
+              <a:picLocks noChangeAspect="1" noChangeArrowheads="1"/>
+            </p:cNvPicPr>
+            <p:nvPr/>
+          </p:nvPicPr>
+          <p:blipFill rotWithShape="1">
+            <a:blip r:embed="rId9">
+              <a:extLst>
+                <a:ext uri="{28A0092B-C50C-407E-A947-70E740481C1C}">
+                  <a14:useLocalDpi xmlns:a14="http://schemas.microsoft.com/office/drawing/2010/main" val="0"/>
+                </a:ext>
+              </a:extLst>
+            </a:blip>
+            <a:srcRect l="32802" t="2706" r="32222" b="47659"/>
+            <a:stretch/>
+          </p:blipFill>
+          <p:spPr bwMode="auto">
+            <a:xfrm>
+              <a:off x="2102318" y="0"/>
+              <a:ext cx="2398643" cy="3404027"/>
+            </a:xfrm>
+            <a:prstGeom prst="rect">
+              <a:avLst/>
+            </a:prstGeom>
+            <a:noFill/>
+            <a:extLst>
+              <a:ext uri="{909E8E84-426E-40DD-AFC4-6F175D3DCCD1}">
+                <a14:hiddenFill xmlns:a14="http://schemas.microsoft.com/office/drawing/2010/main">
+                  <a:solidFill>
+                    <a:srgbClr val="FFFFFF"/>
+                  </a:solidFill>
+                </a14:hiddenFill>
+              </a:ext>
+            </a:extLst>
+          </p:spPr>
+        </p:pic>
+        <p:pic>
+          <p:nvPicPr>
+            <p:cNvPr id="1028" name="Picture 4" descr="http://www.hoffmann-reinigungstechnik.de/Kaercher-Logo.jpg"/>
+            <p:cNvPicPr>
+              <a:picLocks noChangeAspect="1" noChangeArrowheads="1"/>
+            </p:cNvPicPr>
+            <p:nvPr/>
+          </p:nvPicPr>
+          <p:blipFill>
+            <a:blip r:embed="rId10" cstate="hqprint">
               <a:extLst>
                 <a:ext uri="{28A0092B-C50C-407E-A947-70E740481C1C}">
                   <a14:useLocalDpi xmlns:a14="http://schemas.microsoft.com/office/drawing/2010/main" val="0"/>
@@ -6684,7 +8195,7 @@
 </p:sld>
 </file>
 
-<file path=ppt/slides/slide12.xml><?xml version="1.0" encoding="utf-8"?>
+<file path=ppt/slides/slide13.xml><?xml version="1.0" encoding="utf-8"?>
 <p:sld xmlns:a="http://schemas.openxmlformats.org/drawingml/2006/main" xmlns:r="http://schemas.openxmlformats.org/officeDocument/2006/relationships" xmlns:p="http://schemas.openxmlformats.org/presentationml/2006/main">
   <p:cSld>
     <p:spTree>
@@ -6994,7 +8505,7 @@
           <p:nvPr/>
         </p:nvPicPr>
         <p:blipFill rotWithShape="1">
-          <a:blip r:embed="rId2">
+          <a:blip r:embed="rId2" cstate="hqprint">
             <a:extLst>
               <a:ext uri="{28A0092B-C50C-407E-A947-70E740481C1C}">
                 <a14:useLocalDpi xmlns:a14="http://schemas.microsoft.com/office/drawing/2010/main" val="0"/>
@@ -7047,7 +8558,7 @@
             <p:nvPr/>
           </p:nvPicPr>
           <p:blipFill>
-            <a:blip r:embed="rId3">
+            <a:blip r:embed="rId3" cstate="hqprint">
               <a:extLst>
                 <a:ext uri="{28A0092B-C50C-407E-A947-70E740481C1C}">
                   <a14:useLocalDpi xmlns:a14="http://schemas.microsoft.com/office/drawing/2010/main" val="0"/>
@@ -7088,7 +8599,7 @@
             <p:nvPr/>
           </p:nvPicPr>
           <p:blipFill rotWithShape="1">
-            <a:blip r:embed="rId4">
+            <a:blip r:embed="rId4" cstate="hqprint">
               <a:extLst>
                 <a:ext uri="{28A0092B-C50C-407E-A947-70E740481C1C}">
                   <a14:useLocalDpi xmlns:a14="http://schemas.microsoft.com/office/drawing/2010/main" val="0"/>
@@ -7190,7 +8701,7 @@
             <p:nvPr/>
           </p:nvPicPr>
           <p:blipFill>
-            <a:blip r:embed="rId5">
+            <a:blip r:embed="rId5" cstate="hqprint">
               <a:extLst>
                 <a:ext uri="{28A0092B-C50C-407E-A947-70E740481C1C}">
                   <a14:useLocalDpi xmlns:a14="http://schemas.microsoft.com/office/drawing/2010/main" val="0"/>
@@ -7390,7 +8901,7 @@
             <p:nvPr/>
           </p:nvPicPr>
           <p:blipFill rotWithShape="1">
-            <a:blip r:embed="rId6">
+            <a:blip r:embed="rId6" cstate="hqprint">
               <a:extLst>
                 <a:ext uri="{28A0092B-C50C-407E-A947-70E740481C1C}">
                   <a14:useLocalDpi xmlns:a14="http://schemas.microsoft.com/office/drawing/2010/main" val="0"/>
@@ -7429,7 +8940,7 @@
             <p:nvPr/>
           </p:nvPicPr>
           <p:blipFill>
-            <a:blip r:embed="rId7">
+            <a:blip r:embed="rId7" cstate="hqprint">
               <a:extLst>
                 <a:ext uri="{28A0092B-C50C-407E-A947-70E740481C1C}">
                   <a14:useLocalDpi xmlns:a14="http://schemas.microsoft.com/office/drawing/2010/main" val="0"/>
@@ -7471,7 +8982,7 @@
           <p:nvPr/>
         </p:nvPicPr>
         <p:blipFill rotWithShape="1">
-          <a:blip r:embed="rId8">
+          <a:blip r:embed="rId8" cstate="hqprint">
             <a:extLst>
               <a:ext uri="{28A0092B-C50C-407E-A947-70E740481C1C}">
                 <a14:useLocalDpi xmlns:a14="http://schemas.microsoft.com/office/drawing/2010/main" val="0"/>
@@ -7563,7 +9074,7 @@
             <p:nvPr/>
           </p:nvPicPr>
           <p:blipFill>
-            <a:blip r:embed="rId10">
+            <a:blip r:embed="rId10" cstate="hqprint">
               <a:extLst>
                 <a:ext uri="{28A0092B-C50C-407E-A947-70E740481C1C}">
                   <a14:useLocalDpi xmlns:a14="http://schemas.microsoft.com/office/drawing/2010/main" val="0"/>
@@ -8142,7 +9653,7 @@
 </p:sld>
 </file>
 
-<file path=ppt/slides/slide13.xml><?xml version="1.0" encoding="utf-8"?>
+<file path=ppt/slides/slide14.xml><?xml version="1.0" encoding="utf-8"?>
 <p:sld xmlns:a="http://schemas.openxmlformats.org/drawingml/2006/main" xmlns:r="http://schemas.openxmlformats.org/officeDocument/2006/relationships" xmlns:p="http://schemas.openxmlformats.org/presentationml/2006/main">
   <p:cSld>
     <p:bg>
@@ -8192,6 +9703,12 @@
           <a:bodyPr/>
           <a:lstStyle/>
           <a:p>
+            <a:r>
+              <a:rPr lang="de-DE" dirty="0">
+                <a:latin typeface="Georgia" panose="02040502050405020303" pitchFamily="18" charset="0"/>
+              </a:rPr>
+              <a:t/>
+            </a:r>
             <a:br>
               <a:rPr lang="de-DE" dirty="0">
                 <a:latin typeface="Georgia" panose="02040502050405020303" pitchFamily="18" charset="0"/>
@@ -8329,6 +9846,175 @@
 </p:sld>
 </file>
 
+<file path=ppt/slides/slide15.xml><?xml version="1.0" encoding="utf-8"?>
+<p:sld xmlns:a="http://schemas.openxmlformats.org/drawingml/2006/main" xmlns:r="http://schemas.openxmlformats.org/officeDocument/2006/relationships" xmlns:p="http://schemas.openxmlformats.org/presentationml/2006/main" show="0">
+  <p:cSld>
+    <p:bg>
+      <p:bgPr>
+        <a:solidFill>
+          <a:schemeClr val="tx1"/>
+        </a:solidFill>
+        <a:effectLst/>
+      </p:bgPr>
+    </p:bg>
+    <p:spTree>
+      <p:nvGrpSpPr>
+        <p:cNvPr id="1" name=""/>
+        <p:cNvGrpSpPr/>
+        <p:nvPr/>
+      </p:nvGrpSpPr>
+      <p:grpSpPr>
+        <a:xfrm>
+          <a:off x="0" y="0"/>
+          <a:ext cx="0" cy="0"/>
+          <a:chOff x="0" y="0"/>
+          <a:chExt cx="0" cy="0"/>
+        </a:xfrm>
+      </p:grpSpPr>
+      <p:pic>
+        <p:nvPicPr>
+          <p:cNvPr id="1026" name="Picture 2" descr="http://127.0.0.1:54411/device/192.168.0.86:6666/screenshot.jpg"/>
+          <p:cNvPicPr>
+            <a:picLocks noChangeAspect="1" noChangeArrowheads="1"/>
+          </p:cNvPicPr>
+          <p:nvPr/>
+        </p:nvPicPr>
+        <p:blipFill>
+          <a:blip r:embed="rId2" cstate="hqprint">
+            <a:extLst>
+              <a:ext uri="{28A0092B-C50C-407E-A947-70E740481C1C}">
+                <a14:useLocalDpi xmlns:a14="http://schemas.microsoft.com/office/drawing/2010/main" val="0"/>
+              </a:ext>
+            </a:extLst>
+          </a:blip>
+          <a:srcRect/>
+          <a:stretch>
+            <a:fillRect/>
+          </a:stretch>
+        </p:blipFill>
+        <p:spPr bwMode="auto">
+          <a:xfrm>
+            <a:off x="4152900" y="1"/>
+            <a:ext cx="3867150" cy="6874933"/>
+          </a:xfrm>
+          <a:prstGeom prst="rect">
+            <a:avLst/>
+          </a:prstGeom>
+          <a:noFill/>
+          <a:extLst>
+            <a:ext uri="{909E8E84-426E-40DD-AFC4-6F175D3DCCD1}">
+              <a14:hiddenFill xmlns:a14="http://schemas.microsoft.com/office/drawing/2010/main">
+                <a:solidFill>
+                  <a:srgbClr val="FFFFFF"/>
+                </a:solidFill>
+              </a14:hiddenFill>
+            </a:ext>
+          </a:extLst>
+        </p:spPr>
+      </p:pic>
+      <p:pic>
+        <p:nvPicPr>
+          <p:cNvPr id="1028" name="Picture 4" descr="http://127.0.0.1:54411/device/192.168.0.86:6666/screenshot.jpg"/>
+          <p:cNvPicPr>
+            <a:picLocks noChangeAspect="1" noChangeArrowheads="1"/>
+          </p:cNvPicPr>
+          <p:nvPr/>
+        </p:nvPicPr>
+        <p:blipFill>
+          <a:blip r:embed="rId3" cstate="hqprint">
+            <a:extLst>
+              <a:ext uri="{28A0092B-C50C-407E-A947-70E740481C1C}">
+                <a14:useLocalDpi xmlns:a14="http://schemas.microsoft.com/office/drawing/2010/main" val="0"/>
+              </a:ext>
+            </a:extLst>
+          </a:blip>
+          <a:srcRect/>
+          <a:stretch>
+            <a:fillRect/>
+          </a:stretch>
+        </p:blipFill>
+        <p:spPr bwMode="auto">
+          <a:xfrm>
+            <a:off x="8324850" y="1"/>
+            <a:ext cx="3857625" cy="6857999"/>
+          </a:xfrm>
+          <a:prstGeom prst="rect">
+            <a:avLst/>
+          </a:prstGeom>
+          <a:noFill/>
+          <a:extLst>
+            <a:ext uri="{909E8E84-426E-40DD-AFC4-6F175D3DCCD1}">
+              <a14:hiddenFill xmlns:a14="http://schemas.microsoft.com/office/drawing/2010/main">
+                <a:solidFill>
+                  <a:srgbClr val="FFFFFF"/>
+                </a:solidFill>
+              </a14:hiddenFill>
+            </a:ext>
+          </a:extLst>
+        </p:spPr>
+      </p:pic>
+      <p:pic>
+        <p:nvPicPr>
+          <p:cNvPr id="1030" name="Picture 6" descr="http://127.0.0.1:54411/device/192.168.0.86:6666/screenshot.jpg"/>
+          <p:cNvPicPr>
+            <a:picLocks noChangeAspect="1" noChangeArrowheads="1"/>
+          </p:cNvPicPr>
+          <p:nvPr/>
+        </p:nvPicPr>
+        <p:blipFill>
+          <a:blip r:embed="rId4" cstate="hqprint">
+            <a:extLst>
+              <a:ext uri="{28A0092B-C50C-407E-A947-70E740481C1C}">
+                <a14:useLocalDpi xmlns:a14="http://schemas.microsoft.com/office/drawing/2010/main" val="0"/>
+              </a:ext>
+            </a:extLst>
+          </a:blip>
+          <a:srcRect/>
+          <a:stretch>
+            <a:fillRect/>
+          </a:stretch>
+        </p:blipFill>
+        <p:spPr bwMode="auto">
+          <a:xfrm>
+            <a:off x="0" y="1"/>
+            <a:ext cx="3867150" cy="6874934"/>
+          </a:xfrm>
+          <a:prstGeom prst="rect">
+            <a:avLst/>
+          </a:prstGeom>
+          <a:noFill/>
+          <a:extLst>
+            <a:ext uri="{909E8E84-426E-40DD-AFC4-6F175D3DCCD1}">
+              <a14:hiddenFill xmlns:a14="http://schemas.microsoft.com/office/drawing/2010/main">
+                <a:solidFill>
+                  <a:srgbClr val="FFFFFF"/>
+                </a:solidFill>
+              </a14:hiddenFill>
+            </a:ext>
+          </a:extLst>
+        </p:spPr>
+      </p:pic>
+    </p:spTree>
+    <p:extLst>
+      <p:ext uri="{BB962C8B-B14F-4D97-AF65-F5344CB8AC3E}">
+        <p14:creationId xmlns:p14="http://schemas.microsoft.com/office/powerpoint/2010/main" val="716242731"/>
+      </p:ext>
+    </p:extLst>
+  </p:cSld>
+  <p:clrMapOvr>
+    <a:masterClrMapping/>
+  </p:clrMapOvr>
+  <mc:AlternateContent xmlns:mc="http://schemas.openxmlformats.org/markup-compatibility/2006">
+    <mc:Choice xmlns:p14="http://schemas.microsoft.com/office/powerpoint/2010/main" Requires="p14">
+      <p:transition spd="slow" p14:dur="2000"/>
+    </mc:Choice>
+    <mc:Fallback>
+      <p:transition spd="slow"/>
+    </mc:Fallback>
+  </mc:AlternateContent>
+</p:sld>
+</file>
+
 <file path=ppt/slides/slide2.xml><?xml version="1.0" encoding="utf-8"?>
 <p:sld xmlns:a="http://schemas.openxmlformats.org/drawingml/2006/main" xmlns:r="http://schemas.openxmlformats.org/officeDocument/2006/relationships" xmlns:p="http://schemas.openxmlformats.org/presentationml/2006/main">
   <p:cSld>
@@ -8384,6 +10070,12 @@
                 <a:latin typeface="Georgia" panose="02040502050405020303" pitchFamily="18" charset="0"/>
               </a:rPr>
               <a:t>Meet</a:t>
+            </a:r>
+            <a:r>
+              <a:rPr lang="de-DE" dirty="0">
+                <a:latin typeface="Georgia" panose="02040502050405020303" pitchFamily="18" charset="0"/>
+              </a:rPr>
+              <a:t/>
             </a:r>
             <a:br>
               <a:rPr lang="de-DE" dirty="0">
@@ -8597,6 +10289,71 @@
   <p:cSld>
     <p:bg>
       <p:bgPr>
+        <a:solidFill>
+          <a:schemeClr val="tx1"/>
+        </a:solidFill>
+        <a:effectLst/>
+      </p:bgPr>
+    </p:bg>
+    <p:spTree>
+      <p:nvGrpSpPr>
+        <p:cNvPr id="1" name=""/>
+        <p:cNvGrpSpPr/>
+        <p:nvPr/>
+      </p:nvGrpSpPr>
+      <p:grpSpPr>
+        <a:xfrm>
+          <a:off x="0" y="0"/>
+          <a:ext cx="0" cy="0"/>
+          <a:chOff x="0" y="0"/>
+          <a:chExt cx="0" cy="0"/>
+        </a:xfrm>
+      </p:grpSpPr>
+      <p:pic>
+        <p:nvPicPr>
+          <p:cNvPr id="4" name="Grafik 3"/>
+          <p:cNvPicPr>
+            <a:picLocks noChangeAspect="1"/>
+          </p:cNvPicPr>
+          <p:nvPr/>
+        </p:nvPicPr>
+        <p:blipFill>
+          <a:blip r:embed="rId2"/>
+          <a:stretch>
+            <a:fillRect/>
+          </a:stretch>
+        </p:blipFill>
+        <p:spPr>
+          <a:xfrm>
+            <a:off x="2224087" y="0"/>
+            <a:ext cx="8062913" cy="6834880"/>
+          </a:xfrm>
+          <a:prstGeom prst="rect">
+            <a:avLst/>
+          </a:prstGeom>
+          <a:solidFill>
+            <a:schemeClr val="tx1"/>
+          </a:solidFill>
+        </p:spPr>
+      </p:pic>
+    </p:spTree>
+    <p:extLst>
+      <p:ext uri="{BB962C8B-B14F-4D97-AF65-F5344CB8AC3E}">
+        <p14:creationId xmlns:p14="http://schemas.microsoft.com/office/powerpoint/2010/main" val="3426514268"/>
+      </p:ext>
+    </p:extLst>
+  </p:cSld>
+  <p:clrMapOvr>
+    <a:masterClrMapping/>
+  </p:clrMapOvr>
+</p:sld>
+</file>
+
+<file path=ppt/slides/slide5.xml><?xml version="1.0" encoding="utf-8"?>
+<p:sld xmlns:a="http://schemas.openxmlformats.org/drawingml/2006/main" xmlns:r="http://schemas.openxmlformats.org/officeDocument/2006/relationships" xmlns:p="http://schemas.openxmlformats.org/presentationml/2006/main">
+  <p:cSld>
+    <p:bg>
+      <p:bgPr>
         <a:blipFill dpi="0" rotWithShape="1">
           <a:blip r:embed="rId2">
             <a:alphaModFix amt="57000"/>
@@ -8642,6 +10399,12 @@
           <a:bodyPr/>
           <a:lstStyle/>
           <a:p>
+            <a:r>
+              <a:rPr lang="de-DE" dirty="0">
+                <a:latin typeface="Georgia" panose="02040502050405020303" pitchFamily="18" charset="0"/>
+              </a:rPr>
+              <a:t/>
+            </a:r>
             <a:br>
               <a:rPr lang="de-DE" dirty="0">
                 <a:latin typeface="Georgia" panose="02040502050405020303" pitchFamily="18" charset="0"/>
@@ -8779,7 +10542,7 @@
 </p:sld>
 </file>
 
-<file path=ppt/slides/slide5.xml><?xml version="1.0" encoding="utf-8"?>
+<file path=ppt/slides/slide6.xml><?xml version="1.0" encoding="utf-8"?>
 <p:sld xmlns:a="http://schemas.openxmlformats.org/drawingml/2006/main" xmlns:r="http://schemas.openxmlformats.org/officeDocument/2006/relationships" xmlns:p="http://schemas.openxmlformats.org/presentationml/2006/main">
   <p:cSld>
     <p:spTree>
@@ -9089,7 +10852,7 @@
           <p:nvPr/>
         </p:nvPicPr>
         <p:blipFill rotWithShape="1">
-          <a:blip r:embed="rId2">
+          <a:blip r:embed="rId2" cstate="hqprint">
             <a:extLst>
               <a:ext uri="{28A0092B-C50C-407E-A947-70E740481C1C}">
                 <a14:useLocalDpi xmlns:a14="http://schemas.microsoft.com/office/drawing/2010/main" val="0"/>
@@ -9142,7 +10905,7 @@
             <p:nvPr/>
           </p:nvPicPr>
           <p:blipFill>
-            <a:blip r:embed="rId3">
+            <a:blip r:embed="rId3" cstate="hqprint">
               <a:extLst>
                 <a:ext uri="{28A0092B-C50C-407E-A947-70E740481C1C}">
                   <a14:useLocalDpi xmlns:a14="http://schemas.microsoft.com/office/drawing/2010/main" val="0"/>
@@ -9183,7 +10946,7 @@
             <p:nvPr/>
           </p:nvPicPr>
           <p:blipFill rotWithShape="1">
-            <a:blip r:embed="rId4">
+            <a:blip r:embed="rId4" cstate="hqprint">
               <a:extLst>
                 <a:ext uri="{28A0092B-C50C-407E-A947-70E740481C1C}">
                   <a14:useLocalDpi xmlns:a14="http://schemas.microsoft.com/office/drawing/2010/main" val="0"/>
@@ -9285,7 +11048,7 @@
             <p:nvPr/>
           </p:nvPicPr>
           <p:blipFill>
-            <a:blip r:embed="rId5">
+            <a:blip r:embed="rId5" cstate="hqprint">
               <a:extLst>
                 <a:ext uri="{28A0092B-C50C-407E-A947-70E740481C1C}">
                   <a14:useLocalDpi xmlns:a14="http://schemas.microsoft.com/office/drawing/2010/main" val="0"/>
@@ -9485,7 +11248,7 @@
             <p:nvPr/>
           </p:nvPicPr>
           <p:blipFill rotWithShape="1">
-            <a:blip r:embed="rId6">
+            <a:blip r:embed="rId6" cstate="hqprint">
               <a:extLst>
                 <a:ext uri="{28A0092B-C50C-407E-A947-70E740481C1C}">
                   <a14:useLocalDpi xmlns:a14="http://schemas.microsoft.com/office/drawing/2010/main" val="0"/>
@@ -9524,7 +11287,7 @@
             <p:nvPr/>
           </p:nvPicPr>
           <p:blipFill>
-            <a:blip r:embed="rId7">
+            <a:blip r:embed="rId7" cstate="hqprint">
               <a:extLst>
                 <a:ext uri="{28A0092B-C50C-407E-A947-70E740481C1C}">
                   <a14:useLocalDpi xmlns:a14="http://schemas.microsoft.com/office/drawing/2010/main" val="0"/>
@@ -9566,7 +11329,7 @@
           <p:nvPr/>
         </p:nvPicPr>
         <p:blipFill rotWithShape="1">
-          <a:blip r:embed="rId8">
+          <a:blip r:embed="rId8" cstate="hqprint">
             <a:extLst>
               <a:ext uri="{28A0092B-C50C-407E-A947-70E740481C1C}">
                 <a14:useLocalDpi xmlns:a14="http://schemas.microsoft.com/office/drawing/2010/main" val="0"/>
@@ -9688,7 +11451,7 @@
             <p:nvPr/>
           </p:nvPicPr>
           <p:blipFill>
-            <a:blip r:embed="rId11">
+            <a:blip r:embed="rId11" cstate="hqprint">
               <a:extLst>
                 <a:ext uri="{28A0092B-C50C-407E-A947-70E740481C1C}">
                   <a14:useLocalDpi xmlns:a14="http://schemas.microsoft.com/office/drawing/2010/main" val="0"/>
@@ -9907,7 +11670,7 @@
 </p:sld>
 </file>
 
-<file path=ppt/slides/slide6.xml><?xml version="1.0" encoding="utf-8"?>
+<file path=ppt/slides/slide7.xml><?xml version="1.0" encoding="utf-8"?>
 <p:sld xmlns:a="http://schemas.openxmlformats.org/drawingml/2006/main" xmlns:r="http://schemas.openxmlformats.org/officeDocument/2006/relationships" xmlns:p="http://schemas.openxmlformats.org/presentationml/2006/main">
   <p:cSld>
     <p:spTree>
@@ -10217,7 +11980,7 @@
           <p:nvPr/>
         </p:nvPicPr>
         <p:blipFill rotWithShape="1">
-          <a:blip r:embed="rId2">
+          <a:blip r:embed="rId2" cstate="hqprint">
             <a:extLst>
               <a:ext uri="{28A0092B-C50C-407E-A947-70E740481C1C}">
                 <a14:useLocalDpi xmlns:a14="http://schemas.microsoft.com/office/drawing/2010/main" val="0"/>
@@ -10270,7 +12033,7 @@
             <p:nvPr/>
           </p:nvPicPr>
           <p:blipFill>
-            <a:blip r:embed="rId3">
+            <a:blip r:embed="rId3" cstate="hqprint">
               <a:extLst>
                 <a:ext uri="{28A0092B-C50C-407E-A947-70E740481C1C}">
                   <a14:useLocalDpi xmlns:a14="http://schemas.microsoft.com/office/drawing/2010/main" val="0"/>
@@ -10311,7 +12074,7 @@
             <p:nvPr/>
           </p:nvPicPr>
           <p:blipFill rotWithShape="1">
-            <a:blip r:embed="rId4">
+            <a:blip r:embed="rId4" cstate="hqprint">
               <a:extLst>
                 <a:ext uri="{28A0092B-C50C-407E-A947-70E740481C1C}">
                   <a14:useLocalDpi xmlns:a14="http://schemas.microsoft.com/office/drawing/2010/main" val="0"/>
@@ -10413,7 +12176,7 @@
             <p:nvPr/>
           </p:nvPicPr>
           <p:blipFill>
-            <a:blip r:embed="rId5">
+            <a:blip r:embed="rId5" cstate="hqprint">
               <a:extLst>
                 <a:ext uri="{28A0092B-C50C-407E-A947-70E740481C1C}">
                   <a14:useLocalDpi xmlns:a14="http://schemas.microsoft.com/office/drawing/2010/main" val="0"/>
@@ -10613,7 +12376,7 @@
             <p:nvPr/>
           </p:nvPicPr>
           <p:blipFill rotWithShape="1">
-            <a:blip r:embed="rId6">
+            <a:blip r:embed="rId6" cstate="hqprint">
               <a:extLst>
                 <a:ext uri="{28A0092B-C50C-407E-A947-70E740481C1C}">
                   <a14:useLocalDpi xmlns:a14="http://schemas.microsoft.com/office/drawing/2010/main" val="0"/>
@@ -10652,7 +12415,7 @@
             <p:nvPr/>
           </p:nvPicPr>
           <p:blipFill>
-            <a:blip r:embed="rId7">
+            <a:blip r:embed="rId7" cstate="hqprint">
               <a:extLst>
                 <a:ext uri="{28A0092B-C50C-407E-A947-70E740481C1C}">
                   <a14:useLocalDpi xmlns:a14="http://schemas.microsoft.com/office/drawing/2010/main" val="0"/>
@@ -10694,7 +12457,7 @@
           <p:nvPr/>
         </p:nvPicPr>
         <p:blipFill rotWithShape="1">
-          <a:blip r:embed="rId8">
+          <a:blip r:embed="rId8" cstate="hqprint">
             <a:extLst>
               <a:ext uri="{28A0092B-C50C-407E-A947-70E740481C1C}">
                 <a14:useLocalDpi xmlns:a14="http://schemas.microsoft.com/office/drawing/2010/main" val="0"/>
@@ -10786,7 +12549,7 @@
             <p:nvPr/>
           </p:nvPicPr>
           <p:blipFill>
-            <a:blip r:embed="rId10">
+            <a:blip r:embed="rId10" cstate="hqprint">
               <a:extLst>
                 <a:ext uri="{28A0092B-C50C-407E-A947-70E740481C1C}">
                   <a14:useLocalDpi xmlns:a14="http://schemas.microsoft.com/office/drawing/2010/main" val="0"/>
@@ -11134,7 +12897,7 @@
             <p:nvPr/>
           </p:nvPicPr>
           <p:blipFill>
-            <a:blip r:embed="rId10">
+            <a:blip r:embed="rId13" cstate="hqprint">
               <a:extLst>
                 <a:ext uri="{28A0092B-C50C-407E-A947-70E740481C1C}">
                   <a14:useLocalDpi xmlns:a14="http://schemas.microsoft.com/office/drawing/2010/main" val="0"/>
@@ -11430,7 +13193,7 @@
 </p:sld>
 </file>
 
-<file path=ppt/slides/slide7.xml><?xml version="1.0" encoding="utf-8"?>
+<file path=ppt/slides/slide8.xml><?xml version="1.0" encoding="utf-8"?>
 <p:sld xmlns:a="http://schemas.openxmlformats.org/drawingml/2006/main" xmlns:r="http://schemas.openxmlformats.org/officeDocument/2006/relationships" xmlns:p="http://schemas.openxmlformats.org/presentationml/2006/main">
   <p:cSld>
     <p:spTree>
@@ -11740,7 +13503,7 @@
           <p:nvPr/>
         </p:nvPicPr>
         <p:blipFill rotWithShape="1">
-          <a:blip r:embed="rId2">
+          <a:blip r:embed="rId2" cstate="hqprint">
             <a:extLst>
               <a:ext uri="{28A0092B-C50C-407E-A947-70E740481C1C}">
                 <a14:useLocalDpi xmlns:a14="http://schemas.microsoft.com/office/drawing/2010/main" val="0"/>
@@ -11793,7 +13556,7 @@
             <p:nvPr/>
           </p:nvPicPr>
           <p:blipFill>
-            <a:blip r:embed="rId3">
+            <a:blip r:embed="rId3" cstate="hqprint">
               <a:extLst>
                 <a:ext uri="{28A0092B-C50C-407E-A947-70E740481C1C}">
                   <a14:useLocalDpi xmlns:a14="http://schemas.microsoft.com/office/drawing/2010/main" val="0"/>
@@ -11834,7 +13597,7 @@
             <p:nvPr/>
           </p:nvPicPr>
           <p:blipFill rotWithShape="1">
-            <a:blip r:embed="rId4">
+            <a:blip r:embed="rId4" cstate="hqprint">
               <a:extLst>
                 <a:ext uri="{28A0092B-C50C-407E-A947-70E740481C1C}">
                   <a14:useLocalDpi xmlns:a14="http://schemas.microsoft.com/office/drawing/2010/main" val="0"/>
@@ -11936,7 +13699,7 @@
             <p:nvPr/>
           </p:nvPicPr>
           <p:blipFill>
-            <a:blip r:embed="rId5">
+            <a:blip r:embed="rId5" cstate="hqprint">
               <a:extLst>
                 <a:ext uri="{28A0092B-C50C-407E-A947-70E740481C1C}">
                   <a14:useLocalDpi xmlns:a14="http://schemas.microsoft.com/office/drawing/2010/main" val="0"/>
@@ -12136,7 +13899,7 @@
             <p:nvPr/>
           </p:nvPicPr>
           <p:blipFill rotWithShape="1">
-            <a:blip r:embed="rId6">
+            <a:blip r:embed="rId6" cstate="hqprint">
               <a:extLst>
                 <a:ext uri="{28A0092B-C50C-407E-A947-70E740481C1C}">
                   <a14:useLocalDpi xmlns:a14="http://schemas.microsoft.com/office/drawing/2010/main" val="0"/>
@@ -12175,7 +13938,7 @@
             <p:nvPr/>
           </p:nvPicPr>
           <p:blipFill>
-            <a:blip r:embed="rId7">
+            <a:blip r:embed="rId7" cstate="hqprint">
               <a:extLst>
                 <a:ext uri="{28A0092B-C50C-407E-A947-70E740481C1C}">
                   <a14:useLocalDpi xmlns:a14="http://schemas.microsoft.com/office/drawing/2010/main" val="0"/>
@@ -12217,7 +13980,7 @@
           <p:nvPr/>
         </p:nvPicPr>
         <p:blipFill rotWithShape="1">
-          <a:blip r:embed="rId8">
+          <a:blip r:embed="rId8" cstate="hqprint">
             <a:extLst>
               <a:ext uri="{28A0092B-C50C-407E-A947-70E740481C1C}">
                 <a14:useLocalDpi xmlns:a14="http://schemas.microsoft.com/office/drawing/2010/main" val="0"/>
@@ -12309,7 +14072,7 @@
             <p:nvPr/>
           </p:nvPicPr>
           <p:blipFill>
-            <a:blip r:embed="rId10">
+            <a:blip r:embed="rId10" cstate="hqprint">
               <a:extLst>
                 <a:ext uri="{28A0092B-C50C-407E-A947-70E740481C1C}">
                   <a14:useLocalDpi xmlns:a14="http://schemas.microsoft.com/office/drawing/2010/main" val="0"/>
@@ -12604,7 +14367,7 @@
           <p:nvPr/>
         </p:nvPicPr>
         <p:blipFill rotWithShape="1">
-          <a:blip r:embed="rId2">
+          <a:blip r:embed="rId13">
             <a:extLst>
               <a:ext uri="{28A0092B-C50C-407E-A947-70E740481C1C}">
                 <a14:useLocalDpi xmlns:a14="http://schemas.microsoft.com/office/drawing/2010/main" val="0"/>
@@ -12898,7 +14661,7 @@
 </p:sld>
 </file>
 
-<file path=ppt/slides/slide8.xml><?xml version="1.0" encoding="utf-8"?>
+<file path=ppt/slides/slide9.xml><?xml version="1.0" encoding="utf-8"?>
 <p:sld xmlns:a="http://schemas.openxmlformats.org/drawingml/2006/main" xmlns:r="http://schemas.openxmlformats.org/officeDocument/2006/relationships" xmlns:p="http://schemas.openxmlformats.org/presentationml/2006/main">
   <p:cSld>
     <p:spTree>
@@ -13208,7 +14971,7 @@
           <p:nvPr/>
         </p:nvPicPr>
         <p:blipFill rotWithShape="1">
-          <a:blip r:embed="rId2">
+          <a:blip r:embed="rId2" cstate="hqprint">
             <a:extLst>
               <a:ext uri="{28A0092B-C50C-407E-A947-70E740481C1C}">
                 <a14:useLocalDpi xmlns:a14="http://schemas.microsoft.com/office/drawing/2010/main" val="0"/>
@@ -13261,7 +15024,7 @@
             <p:nvPr/>
           </p:nvPicPr>
           <p:blipFill>
-            <a:blip r:embed="rId3">
+            <a:blip r:embed="rId3" cstate="hqprint">
               <a:extLst>
                 <a:ext uri="{28A0092B-C50C-407E-A947-70E740481C1C}">
                   <a14:useLocalDpi xmlns:a14="http://schemas.microsoft.com/office/drawing/2010/main" val="0"/>
@@ -13302,7 +15065,7 @@
             <p:nvPr/>
           </p:nvPicPr>
           <p:blipFill rotWithShape="1">
-            <a:blip r:embed="rId4">
+            <a:blip r:embed="rId4" cstate="hqprint">
               <a:extLst>
                 <a:ext uri="{28A0092B-C50C-407E-A947-70E740481C1C}">
                   <a14:useLocalDpi xmlns:a14="http://schemas.microsoft.com/office/drawing/2010/main" val="0"/>
@@ -13404,7 +15167,7 @@
             <p:nvPr/>
           </p:nvPicPr>
           <p:blipFill>
-            <a:blip r:embed="rId5">
+            <a:blip r:embed="rId5" cstate="hqprint">
               <a:extLst>
                 <a:ext uri="{28A0092B-C50C-407E-A947-70E740481C1C}">
                   <a14:useLocalDpi xmlns:a14="http://schemas.microsoft.com/office/drawing/2010/main" val="0"/>
@@ -13604,7 +15367,7 @@
             <p:nvPr/>
           </p:nvPicPr>
           <p:blipFill rotWithShape="1">
-            <a:blip r:embed="rId6">
+            <a:blip r:embed="rId6" cstate="hqprint">
               <a:extLst>
                 <a:ext uri="{28A0092B-C50C-407E-A947-70E740481C1C}">
                   <a14:useLocalDpi xmlns:a14="http://schemas.microsoft.com/office/drawing/2010/main" val="0"/>
@@ -13643,7 +15406,7 @@
             <p:nvPr/>
           </p:nvPicPr>
           <p:blipFill>
-            <a:blip r:embed="rId7">
+            <a:blip r:embed="rId7" cstate="hqprint">
               <a:extLst>
                 <a:ext uri="{28A0092B-C50C-407E-A947-70E740481C1C}">
                   <a14:useLocalDpi xmlns:a14="http://schemas.microsoft.com/office/drawing/2010/main" val="0"/>
@@ -13685,7 +15448,7 @@
           <p:nvPr/>
         </p:nvPicPr>
         <p:blipFill rotWithShape="1">
-          <a:blip r:embed="rId8">
+          <a:blip r:embed="rId8" cstate="hqprint">
             <a:extLst>
               <a:ext uri="{28A0092B-C50C-407E-A947-70E740481C1C}">
                 <a14:useLocalDpi xmlns:a14="http://schemas.microsoft.com/office/drawing/2010/main" val="0"/>
@@ -13777,7 +15540,7 @@
             <p:nvPr/>
           </p:nvPicPr>
           <p:blipFill>
-            <a:blip r:embed="rId10">
+            <a:blip r:embed="rId10" cstate="hqprint">
               <a:extLst>
                 <a:ext uri="{28A0092B-C50C-407E-A947-70E740481C1C}">
                   <a14:useLocalDpi xmlns:a14="http://schemas.microsoft.com/office/drawing/2010/main" val="0"/>
@@ -14134,7 +15897,7 @@
             <p:nvPr/>
           </p:nvPicPr>
           <p:blipFill>
-            <a:blip r:embed="rId5">
+            <a:blip r:embed="rId13">
               <a:extLst>
                 <a:ext uri="{28A0092B-C50C-407E-A947-70E740481C1C}">
                   <a14:useLocalDpi xmlns:a14="http://schemas.microsoft.com/office/drawing/2010/main" val="0"/>
@@ -14422,1529 +16185,6 @@
     <p:extLst>
       <p:ext uri="{BB962C8B-B14F-4D97-AF65-F5344CB8AC3E}">
         <p14:creationId xmlns:p14="http://schemas.microsoft.com/office/powerpoint/2010/main" val="3363820869"/>
-      </p:ext>
-    </p:extLst>
-  </p:cSld>
-  <p:clrMapOvr>
-    <a:masterClrMapping/>
-  </p:clrMapOvr>
-</p:sld>
-</file>
-
-<file path=ppt/slides/slide9.xml><?xml version="1.0" encoding="utf-8"?>
-<p:sld xmlns:a="http://schemas.openxmlformats.org/drawingml/2006/main" xmlns:r="http://schemas.openxmlformats.org/officeDocument/2006/relationships" xmlns:p="http://schemas.openxmlformats.org/presentationml/2006/main">
-  <p:cSld>
-    <p:spTree>
-      <p:nvGrpSpPr>
-        <p:cNvPr id="1" name=""/>
-        <p:cNvGrpSpPr/>
-        <p:nvPr/>
-      </p:nvGrpSpPr>
-      <p:grpSpPr>
-        <a:xfrm>
-          <a:off x="0" y="0"/>
-          <a:ext cx="0" cy="0"/>
-          <a:chOff x="0" y="0"/>
-          <a:chExt cx="0" cy="0"/>
-        </a:xfrm>
-      </p:grpSpPr>
-      <p:sp>
-        <p:nvSpPr>
-          <p:cNvPr id="3" name="Ellipse 2"/>
-          <p:cNvSpPr/>
-          <p:nvPr/>
-        </p:nvSpPr>
-        <p:spPr>
-          <a:xfrm>
-            <a:off x="1067840" y="437641"/>
-            <a:ext cx="10056321" cy="5982718"/>
-          </a:xfrm>
-          <a:prstGeom prst="ellipse">
-            <a:avLst/>
-          </a:prstGeom>
-          <a:noFill/>
-          <a:ln w="381000">
-            <a:solidFill>
-              <a:srgbClr val="7ABCD4"/>
-            </a:solidFill>
-          </a:ln>
-        </p:spPr>
-        <p:style>
-          <a:lnRef idx="2">
-            <a:schemeClr val="accent4"/>
-          </a:lnRef>
-          <a:fillRef idx="1">
-            <a:schemeClr val="lt1"/>
-          </a:fillRef>
-          <a:effectRef idx="0">
-            <a:schemeClr val="accent4"/>
-          </a:effectRef>
-          <a:fontRef idx="minor">
-            <a:schemeClr val="dk1"/>
-          </a:fontRef>
-        </p:style>
-        <p:txBody>
-          <a:bodyPr rtlCol="0" anchor="ctr"/>
-          <a:lstStyle/>
-          <a:p>
-            <a:pPr algn="ctr"/>
-            <a:endParaRPr lang="de-DE"/>
-          </a:p>
-        </p:txBody>
-      </p:sp>
-      <p:sp>
-        <p:nvSpPr>
-          <p:cNvPr id="30" name="Rechteck 29"/>
-          <p:cNvSpPr/>
-          <p:nvPr/>
-        </p:nvSpPr>
-        <p:spPr>
-          <a:xfrm>
-            <a:off x="10528092" y="3802749"/>
-            <a:ext cx="596068" cy="737405"/>
-          </a:xfrm>
-          <a:prstGeom prst="rect">
-            <a:avLst/>
-          </a:prstGeom>
-          <a:solidFill>
-            <a:schemeClr val="bg1"/>
-          </a:solidFill>
-          <a:ln>
-            <a:solidFill>
-              <a:schemeClr val="bg1"/>
-            </a:solidFill>
-          </a:ln>
-        </p:spPr>
-        <p:style>
-          <a:lnRef idx="2">
-            <a:schemeClr val="accent1">
-              <a:shade val="50000"/>
-            </a:schemeClr>
-          </a:lnRef>
-          <a:fillRef idx="1">
-            <a:schemeClr val="accent1"/>
-          </a:fillRef>
-          <a:effectRef idx="0">
-            <a:schemeClr val="accent1"/>
-          </a:effectRef>
-          <a:fontRef idx="minor">
-            <a:schemeClr val="lt1"/>
-          </a:fontRef>
-        </p:style>
-        <p:txBody>
-          <a:bodyPr rtlCol="0" anchor="ctr"/>
-          <a:lstStyle/>
-          <a:p>
-            <a:pPr algn="ctr"/>
-            <a:endParaRPr lang="de-DE"/>
-          </a:p>
-        </p:txBody>
-      </p:sp>
-      <p:sp>
-        <p:nvSpPr>
-          <p:cNvPr id="31" name="Rechteck 30"/>
-          <p:cNvSpPr/>
-          <p:nvPr/>
-        </p:nvSpPr>
-        <p:spPr>
-          <a:xfrm>
-            <a:off x="10379360" y="2385764"/>
-            <a:ext cx="744800" cy="737405"/>
-          </a:xfrm>
-          <a:prstGeom prst="rect">
-            <a:avLst/>
-          </a:prstGeom>
-          <a:solidFill>
-            <a:schemeClr val="bg1"/>
-          </a:solidFill>
-          <a:ln>
-            <a:solidFill>
-              <a:schemeClr val="bg1"/>
-            </a:solidFill>
-          </a:ln>
-        </p:spPr>
-        <p:style>
-          <a:lnRef idx="2">
-            <a:schemeClr val="accent1">
-              <a:shade val="50000"/>
-            </a:schemeClr>
-          </a:lnRef>
-          <a:fillRef idx="1">
-            <a:schemeClr val="accent1"/>
-          </a:fillRef>
-          <a:effectRef idx="0">
-            <a:schemeClr val="accent1"/>
-          </a:effectRef>
-          <a:fontRef idx="minor">
-            <a:schemeClr val="lt1"/>
-          </a:fontRef>
-        </p:style>
-        <p:txBody>
-          <a:bodyPr rtlCol="0" anchor="ctr"/>
-          <a:lstStyle/>
-          <a:p>
-            <a:pPr algn="ctr"/>
-            <a:endParaRPr lang="de-DE"/>
-          </a:p>
-        </p:txBody>
-      </p:sp>
-      <p:sp>
-        <p:nvSpPr>
-          <p:cNvPr id="36" name="Rechteck 35"/>
-          <p:cNvSpPr/>
-          <p:nvPr/>
-        </p:nvSpPr>
-        <p:spPr>
-          <a:xfrm>
-            <a:off x="2188216" y="5124128"/>
-            <a:ext cx="427224" cy="737405"/>
-          </a:xfrm>
-          <a:prstGeom prst="rect">
-            <a:avLst/>
-          </a:prstGeom>
-          <a:solidFill>
-            <a:schemeClr val="bg1"/>
-          </a:solidFill>
-          <a:ln>
-            <a:solidFill>
-              <a:schemeClr val="bg1"/>
-            </a:solidFill>
-          </a:ln>
-        </p:spPr>
-        <p:style>
-          <a:lnRef idx="2">
-            <a:schemeClr val="accent1">
-              <a:shade val="50000"/>
-            </a:schemeClr>
-          </a:lnRef>
-          <a:fillRef idx="1">
-            <a:schemeClr val="accent1"/>
-          </a:fillRef>
-          <a:effectRef idx="0">
-            <a:schemeClr val="accent1"/>
-          </a:effectRef>
-          <a:fontRef idx="minor">
-            <a:schemeClr val="lt1"/>
-          </a:fontRef>
-        </p:style>
-        <p:txBody>
-          <a:bodyPr rtlCol="0" anchor="ctr"/>
-          <a:lstStyle/>
-          <a:p>
-            <a:pPr algn="ctr"/>
-            <a:endParaRPr lang="de-DE"/>
-          </a:p>
-        </p:txBody>
-      </p:sp>
-      <p:sp>
-        <p:nvSpPr>
-          <p:cNvPr id="21" name="Rechteck 20"/>
-          <p:cNvSpPr/>
-          <p:nvPr/>
-        </p:nvSpPr>
-        <p:spPr>
-          <a:xfrm>
-            <a:off x="811417" y="1124232"/>
-            <a:ext cx="1203426" cy="2864672"/>
-          </a:xfrm>
-          <a:prstGeom prst="rect">
-            <a:avLst/>
-          </a:prstGeom>
-          <a:solidFill>
-            <a:schemeClr val="bg1"/>
-          </a:solidFill>
-          <a:ln>
-            <a:solidFill>
-              <a:schemeClr val="bg1"/>
-            </a:solidFill>
-          </a:ln>
-        </p:spPr>
-        <p:style>
-          <a:lnRef idx="2">
-            <a:schemeClr val="accent1">
-              <a:shade val="50000"/>
-            </a:schemeClr>
-          </a:lnRef>
-          <a:fillRef idx="1">
-            <a:schemeClr val="accent1"/>
-          </a:fillRef>
-          <a:effectRef idx="0">
-            <a:schemeClr val="accent1"/>
-          </a:effectRef>
-          <a:fontRef idx="minor">
-            <a:schemeClr val="lt1"/>
-          </a:fontRef>
-        </p:style>
-        <p:txBody>
-          <a:bodyPr rtlCol="0" anchor="ctr"/>
-          <a:lstStyle/>
-          <a:p>
-            <a:pPr algn="ctr"/>
-            <a:endParaRPr lang="de-DE"/>
-          </a:p>
-        </p:txBody>
-      </p:sp>
-      <p:sp>
-        <p:nvSpPr>
-          <p:cNvPr id="35" name="Rechteck 34"/>
-          <p:cNvSpPr/>
-          <p:nvPr/>
-        </p:nvSpPr>
-        <p:spPr>
-          <a:xfrm>
-            <a:off x="1124992" y="4630595"/>
-            <a:ext cx="687648" cy="737405"/>
-          </a:xfrm>
-          <a:prstGeom prst="rect">
-            <a:avLst/>
-          </a:prstGeom>
-          <a:solidFill>
-            <a:schemeClr val="bg1"/>
-          </a:solidFill>
-          <a:ln>
-            <a:solidFill>
-              <a:schemeClr val="bg1"/>
-            </a:solidFill>
-          </a:ln>
-        </p:spPr>
-        <p:style>
-          <a:lnRef idx="2">
-            <a:schemeClr val="accent1">
-              <a:shade val="50000"/>
-            </a:schemeClr>
-          </a:lnRef>
-          <a:fillRef idx="1">
-            <a:schemeClr val="accent1"/>
-          </a:fillRef>
-          <a:effectRef idx="0">
-            <a:schemeClr val="accent1"/>
-          </a:effectRef>
-          <a:fontRef idx="minor">
-            <a:schemeClr val="lt1"/>
-          </a:fontRef>
-        </p:style>
-        <p:txBody>
-          <a:bodyPr rtlCol="0" anchor="ctr"/>
-          <a:lstStyle/>
-          <a:p>
-            <a:pPr algn="ctr"/>
-            <a:endParaRPr lang="de-DE"/>
-          </a:p>
-        </p:txBody>
-      </p:sp>
-      <p:pic>
-        <p:nvPicPr>
-          <p:cNvPr id="1032" name="Picture 8" descr="https://s.aolcdn.com/hss/storage/midas/965fc84051391e2ed53ce19881178931/202486815/10+am+Official+Announce_G_FB+copy.jpg"/>
-          <p:cNvPicPr>
-            <a:picLocks noChangeAspect="1" noChangeArrowheads="1"/>
-          </p:cNvPicPr>
-          <p:nvPr/>
-        </p:nvPicPr>
-        <p:blipFill rotWithShape="1">
-          <a:blip r:embed="rId2">
-            <a:extLst>
-              <a:ext uri="{28A0092B-C50C-407E-A947-70E740481C1C}">
-                <a14:useLocalDpi xmlns:a14="http://schemas.microsoft.com/office/drawing/2010/main" val="0"/>
-              </a:ext>
-            </a:extLst>
-          </a:blip>
-          <a:srcRect l="28508" t="2705" r="22884"/>
-          <a:stretch/>
-        </p:blipFill>
-        <p:spPr bwMode="auto">
-          <a:xfrm>
-            <a:off x="10151032" y="2457159"/>
-            <a:ext cx="1608568" cy="2025491"/>
-          </a:xfrm>
-          <a:prstGeom prst="rect">
-            <a:avLst/>
-          </a:prstGeom>
-          <a:noFill/>
-          <a:extLst>
-            <a:ext uri="{909E8E84-426E-40DD-AFC4-6F175D3DCCD1}">
-              <a14:hiddenFill xmlns:a14="http://schemas.microsoft.com/office/drawing/2010/main">
-                <a:solidFill>
-                  <a:srgbClr val="FFFFFF"/>
-                </a:solidFill>
-              </a14:hiddenFill>
-            </a:ext>
-          </a:extLst>
-        </p:spPr>
-      </p:pic>
-      <p:grpSp>
-        <p:nvGrpSpPr>
-          <p:cNvPr id="6" name="Gruppieren 5"/>
-          <p:cNvGrpSpPr/>
-          <p:nvPr/>
-        </p:nvGrpSpPr>
-        <p:grpSpPr>
-          <a:xfrm>
-            <a:off x="1124992" y="4692141"/>
-            <a:ext cx="1539536" cy="1560495"/>
-            <a:chOff x="7838847" y="631018"/>
-            <a:chExt cx="2320434" cy="2352023"/>
-          </a:xfrm>
-        </p:grpSpPr>
-        <p:pic>
-          <p:nvPicPr>
-            <p:cNvPr id="1034" name="Picture 10" descr="https://upload.wikimedia.org/wikipedia/commons/thumb/5/54/Tinkerforge_logo.svg/2000px-Tinkerforge_logo.svg.png"/>
-            <p:cNvPicPr>
-              <a:picLocks noChangeAspect="1" noChangeArrowheads="1"/>
-            </p:cNvPicPr>
-            <p:nvPr/>
-          </p:nvPicPr>
-          <p:blipFill>
-            <a:blip r:embed="rId3">
-              <a:extLst>
-                <a:ext uri="{28A0092B-C50C-407E-A947-70E740481C1C}">
-                  <a14:useLocalDpi xmlns:a14="http://schemas.microsoft.com/office/drawing/2010/main" val="0"/>
-                </a:ext>
-              </a:extLst>
-            </a:blip>
-            <a:srcRect/>
-            <a:stretch>
-              <a:fillRect/>
-            </a:stretch>
-          </p:blipFill>
-          <p:spPr bwMode="auto">
-            <a:xfrm>
-              <a:off x="7838847" y="2486323"/>
-              <a:ext cx="2320434" cy="496718"/>
-            </a:xfrm>
-            <a:prstGeom prst="rect">
-              <a:avLst/>
-            </a:prstGeom>
-            <a:noFill/>
-            <a:extLst>
-              <a:ext uri="{909E8E84-426E-40DD-AFC4-6F175D3DCCD1}">
-                <a14:hiddenFill xmlns:a14="http://schemas.microsoft.com/office/drawing/2010/main">
-                  <a:solidFill>
-                    <a:srgbClr val="FFFFFF"/>
-                  </a:solidFill>
-                </a14:hiddenFill>
-              </a:ext>
-            </a:extLst>
-          </p:spPr>
-        </p:pic>
-        <p:pic>
-          <p:nvPicPr>
-            <p:cNvPr id="1036" name="Picture 12" descr="http://www.tinkerforge.com/de/doc/_images/Bricklets/bricklet_ambient_light_master_1200.jpg"/>
-            <p:cNvPicPr>
-              <a:picLocks noChangeAspect="1" noChangeArrowheads="1"/>
-            </p:cNvPicPr>
-            <p:nvPr/>
-          </p:nvPicPr>
-          <p:blipFill rotWithShape="1">
-            <a:blip r:embed="rId4">
-              <a:extLst>
-                <a:ext uri="{28A0092B-C50C-407E-A947-70E740481C1C}">
-                  <a14:useLocalDpi xmlns:a14="http://schemas.microsoft.com/office/drawing/2010/main" val="0"/>
-                </a:ext>
-              </a:extLst>
-            </a:blip>
-            <a:srcRect l="20787" t="255" r="15562" b="13369"/>
-            <a:stretch/>
-          </p:blipFill>
-          <p:spPr bwMode="auto">
-            <a:xfrm>
-              <a:off x="8024950" y="631018"/>
-              <a:ext cx="1948228" cy="1762541"/>
-            </a:xfrm>
-            <a:prstGeom prst="rect">
-              <a:avLst/>
-            </a:prstGeom>
-            <a:noFill/>
-            <a:extLst>
-              <a:ext uri="{909E8E84-426E-40DD-AFC4-6F175D3DCCD1}">
-                <a14:hiddenFill xmlns:a14="http://schemas.microsoft.com/office/drawing/2010/main">
-                  <a:solidFill>
-                    <a:srgbClr val="FFFFFF"/>
-                  </a:solidFill>
-                </a14:hiddenFill>
-              </a:ext>
-            </a:extLst>
-          </p:spPr>
-        </p:pic>
-      </p:grpSp>
-      <p:grpSp>
-        <p:nvGrpSpPr>
-          <p:cNvPr id="14" name="Gruppieren 13"/>
-          <p:cNvGrpSpPr/>
-          <p:nvPr/>
-        </p:nvGrpSpPr>
-        <p:grpSpPr>
-          <a:xfrm>
-            <a:off x="3241567" y="118198"/>
-            <a:ext cx="1318608" cy="1536192"/>
-            <a:chOff x="3241567" y="118198"/>
-            <a:chExt cx="1318608" cy="1536192"/>
-          </a:xfrm>
-        </p:grpSpPr>
-        <p:sp>
-          <p:nvSpPr>
-            <p:cNvPr id="8" name="Rechteck 7"/>
-            <p:cNvSpPr/>
-            <p:nvPr/>
-          </p:nvSpPr>
-          <p:spPr>
-            <a:xfrm>
-              <a:off x="3272654" y="118198"/>
-              <a:ext cx="1203426" cy="1536192"/>
-            </a:xfrm>
-            <a:prstGeom prst="rect">
-              <a:avLst/>
-            </a:prstGeom>
-            <a:solidFill>
-              <a:schemeClr val="bg1"/>
-            </a:solidFill>
-            <a:ln>
-              <a:solidFill>
-                <a:schemeClr val="bg1"/>
-              </a:solidFill>
-            </a:ln>
-          </p:spPr>
-          <p:style>
-            <a:lnRef idx="2">
-              <a:schemeClr val="accent1">
-                <a:shade val="50000"/>
-              </a:schemeClr>
-            </a:lnRef>
-            <a:fillRef idx="1">
-              <a:schemeClr val="accent1"/>
-            </a:fillRef>
-            <a:effectRef idx="0">
-              <a:schemeClr val="accent1"/>
-            </a:effectRef>
-            <a:fontRef idx="minor">
-              <a:schemeClr val="lt1"/>
-            </a:fontRef>
-          </p:style>
-          <p:txBody>
-            <a:bodyPr rtlCol="0" anchor="ctr"/>
-            <a:lstStyle/>
-            <a:p>
-              <a:pPr algn="ctr"/>
-              <a:endParaRPr lang="de-DE"/>
-            </a:p>
-          </p:txBody>
-        </p:sp>
-        <p:pic>
-          <p:nvPicPr>
-            <p:cNvPr id="1038" name="Picture 14" descr="http://static1.squarespace.com/static/528d4dc5e4b0d652da273726/t/5758ef524c2f85732d8f8bd2/1467817174508/?format=1000w"/>
-            <p:cNvPicPr>
-              <a:picLocks noChangeAspect="1" noChangeArrowheads="1"/>
-            </p:cNvPicPr>
-            <p:nvPr/>
-          </p:nvPicPr>
-          <p:blipFill>
-            <a:blip r:embed="rId5">
-              <a:extLst>
-                <a:ext uri="{28A0092B-C50C-407E-A947-70E740481C1C}">
-                  <a14:useLocalDpi xmlns:a14="http://schemas.microsoft.com/office/drawing/2010/main" val="0"/>
-                </a:ext>
-              </a:extLst>
-            </a:blip>
-            <a:srcRect/>
-            <a:stretch>
-              <a:fillRect/>
-            </a:stretch>
-          </p:blipFill>
-          <p:spPr bwMode="auto">
-            <a:xfrm>
-              <a:off x="3241567" y="118198"/>
-              <a:ext cx="1318608" cy="1318608"/>
-            </a:xfrm>
-            <a:prstGeom prst="rect">
-              <a:avLst/>
-            </a:prstGeom>
-            <a:noFill/>
-            <a:extLst>
-              <a:ext uri="{909E8E84-426E-40DD-AFC4-6F175D3DCCD1}">
-                <a14:hiddenFill xmlns:a14="http://schemas.microsoft.com/office/drawing/2010/main">
-                  <a:solidFill>
-                    <a:srgbClr val="FFFFFF"/>
-                  </a:solidFill>
-                </a14:hiddenFill>
-              </a:ext>
-            </a:extLst>
-          </p:spPr>
-        </p:pic>
-      </p:grpSp>
-      <p:sp>
-        <p:nvSpPr>
-          <p:cNvPr id="34" name="Rechteck 33"/>
-          <p:cNvSpPr/>
-          <p:nvPr/>
-        </p:nvSpPr>
-        <p:spPr>
-          <a:xfrm>
-            <a:off x="9402094" y="5649272"/>
-            <a:ext cx="427224" cy="737405"/>
-          </a:xfrm>
-          <a:prstGeom prst="rect">
-            <a:avLst/>
-          </a:prstGeom>
-          <a:solidFill>
-            <a:schemeClr val="bg1"/>
-          </a:solidFill>
-          <a:ln>
-            <a:solidFill>
-              <a:schemeClr val="bg1"/>
-            </a:solidFill>
-          </a:ln>
-        </p:spPr>
-        <p:style>
-          <a:lnRef idx="2">
-            <a:schemeClr val="accent1">
-              <a:shade val="50000"/>
-            </a:schemeClr>
-          </a:lnRef>
-          <a:fillRef idx="1">
-            <a:schemeClr val="accent1"/>
-          </a:fillRef>
-          <a:effectRef idx="0">
-            <a:schemeClr val="accent1"/>
-          </a:effectRef>
-          <a:fontRef idx="minor">
-            <a:schemeClr val="lt1"/>
-          </a:fontRef>
-        </p:style>
-        <p:txBody>
-          <a:bodyPr rtlCol="0" anchor="ctr"/>
-          <a:lstStyle/>
-          <a:p>
-            <a:pPr algn="ctr"/>
-            <a:endParaRPr lang="de-DE"/>
-          </a:p>
-        </p:txBody>
-      </p:sp>
-      <p:sp>
-        <p:nvSpPr>
-          <p:cNvPr id="33" name="Rechteck 32"/>
-          <p:cNvSpPr/>
-          <p:nvPr/>
-        </p:nvSpPr>
-        <p:spPr>
-          <a:xfrm>
-            <a:off x="9068146" y="5185674"/>
-            <a:ext cx="427224" cy="737405"/>
-          </a:xfrm>
-          <a:prstGeom prst="rect">
-            <a:avLst/>
-          </a:prstGeom>
-          <a:solidFill>
-            <a:schemeClr val="bg1"/>
-          </a:solidFill>
-          <a:ln>
-            <a:solidFill>
-              <a:schemeClr val="bg1"/>
-            </a:solidFill>
-          </a:ln>
-        </p:spPr>
-        <p:style>
-          <a:lnRef idx="2">
-            <a:schemeClr val="accent1">
-              <a:shade val="50000"/>
-            </a:schemeClr>
-          </a:lnRef>
-          <a:fillRef idx="1">
-            <a:schemeClr val="accent1"/>
-          </a:fillRef>
-          <a:effectRef idx="0">
-            <a:schemeClr val="accent1"/>
-          </a:effectRef>
-          <a:fontRef idx="minor">
-            <a:schemeClr val="lt1"/>
-          </a:fontRef>
-        </p:style>
-        <p:txBody>
-          <a:bodyPr rtlCol="0" anchor="ctr"/>
-          <a:lstStyle/>
-          <a:p>
-            <a:pPr algn="ctr"/>
-            <a:endParaRPr lang="de-DE"/>
-          </a:p>
-        </p:txBody>
-      </p:sp>
-      <p:sp>
-        <p:nvSpPr>
-          <p:cNvPr id="15" name="Rechteck 14"/>
-          <p:cNvSpPr/>
-          <p:nvPr/>
-        </p:nvSpPr>
-        <p:spPr>
-          <a:xfrm>
-            <a:off x="4476080" y="5923079"/>
-            <a:ext cx="427224" cy="737405"/>
-          </a:xfrm>
-          <a:prstGeom prst="rect">
-            <a:avLst/>
-          </a:prstGeom>
-          <a:solidFill>
-            <a:schemeClr val="bg1"/>
-          </a:solidFill>
-          <a:ln>
-            <a:solidFill>
-              <a:schemeClr val="bg1"/>
-            </a:solidFill>
-          </a:ln>
-        </p:spPr>
-        <p:style>
-          <a:lnRef idx="2">
-            <a:schemeClr val="accent1">
-              <a:shade val="50000"/>
-            </a:schemeClr>
-          </a:lnRef>
-          <a:fillRef idx="1">
-            <a:schemeClr val="accent1"/>
-          </a:fillRef>
-          <a:effectRef idx="0">
-            <a:schemeClr val="accent1"/>
-          </a:effectRef>
-          <a:fontRef idx="minor">
-            <a:schemeClr val="lt1"/>
-          </a:fontRef>
-        </p:style>
-        <p:txBody>
-          <a:bodyPr rtlCol="0" anchor="ctr"/>
-          <a:lstStyle/>
-          <a:p>
-            <a:pPr algn="ctr"/>
-            <a:endParaRPr lang="de-DE"/>
-          </a:p>
-        </p:txBody>
-      </p:sp>
-      <p:grpSp>
-        <p:nvGrpSpPr>
-          <p:cNvPr id="7" name="Gruppieren 6"/>
-          <p:cNvGrpSpPr/>
-          <p:nvPr/>
-        </p:nvGrpSpPr>
-        <p:grpSpPr>
-          <a:xfrm>
-            <a:off x="8615747" y="5166291"/>
-            <a:ext cx="1653535" cy="1402214"/>
-            <a:chOff x="5491776" y="1245704"/>
-            <a:chExt cx="3120019" cy="2645807"/>
-          </a:xfrm>
-        </p:grpSpPr>
-        <p:pic>
-          <p:nvPicPr>
-            <p:cNvPr id="1040" name="Picture 16" descr="http://www.philips.com/consumerfiles/newscenter/main/shared/assets/de/SmallParagraphImage/news/licht/20160314_Philips_Hue_white_ambiance_E27_1.jpg"/>
-            <p:cNvPicPr>
-              <a:picLocks noChangeAspect="1" noChangeArrowheads="1"/>
-            </p:cNvPicPr>
-            <p:nvPr/>
-          </p:nvPicPr>
-          <p:blipFill rotWithShape="1">
-            <a:blip r:embed="rId6">
-              <a:extLst>
-                <a:ext uri="{28A0092B-C50C-407E-A947-70E740481C1C}">
-                  <a14:useLocalDpi xmlns:a14="http://schemas.microsoft.com/office/drawing/2010/main" val="0"/>
-                </a:ext>
-              </a:extLst>
-            </a:blip>
-            <a:srcRect l="34928" t="24652" r="32837" b="21863"/>
-            <a:stretch/>
-          </p:blipFill>
-          <p:spPr bwMode="auto">
-            <a:xfrm>
-              <a:off x="5491776" y="1245704"/>
-              <a:ext cx="1559722" cy="2587902"/>
-            </a:xfrm>
-            <a:prstGeom prst="rect">
-              <a:avLst/>
-            </a:prstGeom>
-            <a:noFill/>
-            <a:extLst>
-              <a:ext uri="{909E8E84-426E-40DD-AFC4-6F175D3DCCD1}">
-                <a14:hiddenFill xmlns:a14="http://schemas.microsoft.com/office/drawing/2010/main">
-                  <a:solidFill>
-                    <a:srgbClr val="FFFFFF"/>
-                  </a:solidFill>
-                </a14:hiddenFill>
-              </a:ext>
-            </a:extLst>
-          </p:spPr>
-        </p:pic>
-        <p:pic>
-          <p:nvPicPr>
-            <p:cNvPr id="1042" name="Picture 18" descr="https://camo.githubusercontent.com/0d0cfb0d8a0ebddeaaf0b7a51c78c08200f3c381/687474703a2f2f61313036362e70686f626f732e6170706c652e636f6d2f75732f72313030302f3131372f507572706c652f76342f31302f62652f37382f31306265373831302d383938322d646437332d336165372d6339373539316138376565372f6d7a6d2e7979767565706a642e706e67"/>
-            <p:cNvPicPr>
-              <a:picLocks noChangeAspect="1" noChangeArrowheads="1"/>
-            </p:cNvPicPr>
-            <p:nvPr/>
-          </p:nvPicPr>
-          <p:blipFill>
-            <a:blip r:embed="rId7">
-              <a:extLst>
-                <a:ext uri="{28A0092B-C50C-407E-A947-70E740481C1C}">
-                  <a14:useLocalDpi xmlns:a14="http://schemas.microsoft.com/office/drawing/2010/main" val="0"/>
-                </a:ext>
-              </a:extLst>
-            </a:blip>
-            <a:srcRect/>
-            <a:stretch>
-              <a:fillRect/>
-            </a:stretch>
-          </p:blipFill>
-          <p:spPr bwMode="auto">
-            <a:xfrm>
-              <a:off x="7051498" y="2331214"/>
-              <a:ext cx="1560297" cy="1560297"/>
-            </a:xfrm>
-            <a:prstGeom prst="rect">
-              <a:avLst/>
-            </a:prstGeom>
-            <a:noFill/>
-            <a:extLst>
-              <a:ext uri="{909E8E84-426E-40DD-AFC4-6F175D3DCCD1}">
-                <a14:hiddenFill xmlns:a14="http://schemas.microsoft.com/office/drawing/2010/main">
-                  <a:solidFill>
-                    <a:srgbClr val="FFFFFF"/>
-                  </a:solidFill>
-                </a14:hiddenFill>
-              </a:ext>
-            </a:extLst>
-          </p:spPr>
-        </p:pic>
-      </p:grpSp>
-      <p:pic>
-        <p:nvPicPr>
-          <p:cNvPr id="1044" name="Picture 20" descr="https://img.conrad.de/medias/global/ce/4000_4999/4700/4760/4760/1276191_RB_00_FB.EPS_1000.jpg"/>
-          <p:cNvPicPr>
-            <a:picLocks noChangeAspect="1" noChangeArrowheads="1"/>
-          </p:cNvPicPr>
-          <p:nvPr/>
-        </p:nvPicPr>
-        <p:blipFill rotWithShape="1">
-          <a:blip r:embed="rId8">
-            <a:extLst>
-              <a:ext uri="{28A0092B-C50C-407E-A947-70E740481C1C}">
-                <a14:useLocalDpi xmlns:a14="http://schemas.microsoft.com/office/drawing/2010/main" val="0"/>
-              </a:ext>
-            </a:extLst>
-          </a:blip>
-          <a:srcRect l="247" t="22416" r="-1" b="22935"/>
-          <a:stretch/>
-        </p:blipFill>
-        <p:spPr bwMode="auto">
-          <a:xfrm>
-            <a:off x="4550465" y="5435360"/>
-            <a:ext cx="2236192" cy="1225124"/>
-          </a:xfrm>
-          <a:prstGeom prst="rect">
-            <a:avLst/>
-          </a:prstGeom>
-          <a:noFill/>
-          <a:extLst>
-            <a:ext uri="{909E8E84-426E-40DD-AFC4-6F175D3DCCD1}">
-              <a14:hiddenFill xmlns:a14="http://schemas.microsoft.com/office/drawing/2010/main">
-                <a:solidFill>
-                  <a:srgbClr val="FFFFFF"/>
-                </a:solidFill>
-              </a14:hiddenFill>
-            </a:ext>
-          </a:extLst>
-        </p:spPr>
-      </p:pic>
-      <p:grpSp>
-        <p:nvGrpSpPr>
-          <p:cNvPr id="5" name="Gruppieren 4"/>
-          <p:cNvGrpSpPr/>
-          <p:nvPr/>
-        </p:nvGrpSpPr>
-        <p:grpSpPr>
-          <a:xfrm>
-            <a:off x="341595" y="1477108"/>
-            <a:ext cx="1811575" cy="2410989"/>
-            <a:chOff x="1684873" y="0"/>
-            <a:chExt cx="3233531" cy="4303442"/>
-          </a:xfrm>
-        </p:grpSpPr>
-        <p:pic>
-          <p:nvPicPr>
-            <p:cNvPr id="1030" name="Picture 6" descr="https://s4.kaercher-media.com/image/products/1024920203.jpg"/>
-            <p:cNvPicPr>
-              <a:picLocks noChangeAspect="1" noChangeArrowheads="1"/>
-            </p:cNvPicPr>
-            <p:nvPr/>
-          </p:nvPicPr>
-          <p:blipFill rotWithShape="1">
-            <a:blip r:embed="rId9">
-              <a:extLst>
-                <a:ext uri="{28A0092B-C50C-407E-A947-70E740481C1C}">
-                  <a14:useLocalDpi xmlns:a14="http://schemas.microsoft.com/office/drawing/2010/main" val="0"/>
-                </a:ext>
-              </a:extLst>
-            </a:blip>
-            <a:srcRect l="32802" t="2706" r="32222" b="47659"/>
-            <a:stretch/>
-          </p:blipFill>
-          <p:spPr bwMode="auto">
-            <a:xfrm>
-              <a:off x="2102318" y="0"/>
-              <a:ext cx="2398643" cy="3404027"/>
-            </a:xfrm>
-            <a:prstGeom prst="rect">
-              <a:avLst/>
-            </a:prstGeom>
-            <a:noFill/>
-            <a:extLst>
-              <a:ext uri="{909E8E84-426E-40DD-AFC4-6F175D3DCCD1}">
-                <a14:hiddenFill xmlns:a14="http://schemas.microsoft.com/office/drawing/2010/main">
-                  <a:solidFill>
-                    <a:srgbClr val="FFFFFF"/>
-                  </a:solidFill>
-                </a14:hiddenFill>
-              </a:ext>
-            </a:extLst>
-          </p:spPr>
-        </p:pic>
-        <p:pic>
-          <p:nvPicPr>
-            <p:cNvPr id="1028" name="Picture 4" descr="http://www.hoffmann-reinigungstechnik.de/Kaercher-Logo.jpg"/>
-            <p:cNvPicPr>
-              <a:picLocks noChangeAspect="1" noChangeArrowheads="1"/>
-            </p:cNvPicPr>
-            <p:nvPr/>
-          </p:nvPicPr>
-          <p:blipFill>
-            <a:blip r:embed="rId10">
-              <a:extLst>
-                <a:ext uri="{28A0092B-C50C-407E-A947-70E740481C1C}">
-                  <a14:useLocalDpi xmlns:a14="http://schemas.microsoft.com/office/drawing/2010/main" val="0"/>
-                </a:ext>
-              </a:extLst>
-            </a:blip>
-            <a:srcRect/>
-            <a:stretch>
-              <a:fillRect/>
-            </a:stretch>
-          </p:blipFill>
-          <p:spPr bwMode="auto">
-            <a:xfrm>
-              <a:off x="1684873" y="3234861"/>
-              <a:ext cx="3233531" cy="1068581"/>
-            </a:xfrm>
-            <a:prstGeom prst="rect">
-              <a:avLst/>
-            </a:prstGeom>
-            <a:noFill/>
-            <a:extLst>
-              <a:ext uri="{909E8E84-426E-40DD-AFC4-6F175D3DCCD1}">
-                <a14:hiddenFill xmlns:a14="http://schemas.microsoft.com/office/drawing/2010/main">
-                  <a:solidFill>
-                    <a:srgbClr val="FFFFFF"/>
-                  </a:solidFill>
-                </a14:hiddenFill>
-              </a:ext>
-            </a:extLst>
-          </p:spPr>
-        </p:pic>
-      </p:grpSp>
-      <p:sp>
-        <p:nvSpPr>
-          <p:cNvPr id="37" name="Rechteck 36"/>
-          <p:cNvSpPr/>
-          <p:nvPr/>
-        </p:nvSpPr>
-        <p:spPr>
-          <a:xfrm>
-            <a:off x="8415407" y="2174349"/>
-            <a:ext cx="427224" cy="737405"/>
-          </a:xfrm>
-          <a:prstGeom prst="rect">
-            <a:avLst/>
-          </a:prstGeom>
-          <a:solidFill>
-            <a:schemeClr val="bg1"/>
-          </a:solidFill>
-          <a:ln>
-            <a:solidFill>
-              <a:schemeClr val="bg1"/>
-            </a:solidFill>
-          </a:ln>
-        </p:spPr>
-        <p:style>
-          <a:lnRef idx="2">
-            <a:schemeClr val="accent1">
-              <a:shade val="50000"/>
-            </a:schemeClr>
-          </a:lnRef>
-          <a:fillRef idx="1">
-            <a:schemeClr val="accent1"/>
-          </a:fillRef>
-          <a:effectRef idx="0">
-            <a:schemeClr val="accent1"/>
-          </a:effectRef>
-          <a:fontRef idx="minor">
-            <a:schemeClr val="lt1"/>
-          </a:fontRef>
-        </p:style>
-        <p:txBody>
-          <a:bodyPr rtlCol="0" anchor="ctr"/>
-          <a:lstStyle/>
-          <a:p>
-            <a:pPr algn="ctr"/>
-            <a:endParaRPr lang="de-DE"/>
-          </a:p>
-        </p:txBody>
-      </p:sp>
-      <p:sp>
-        <p:nvSpPr>
-          <p:cNvPr id="32" name="Rechteck 31"/>
-          <p:cNvSpPr/>
-          <p:nvPr/>
-        </p:nvSpPr>
-        <p:spPr>
-          <a:xfrm>
-            <a:off x="7698186" y="1693250"/>
-            <a:ext cx="1023783" cy="737405"/>
-          </a:xfrm>
-          <a:prstGeom prst="rect">
-            <a:avLst/>
-          </a:prstGeom>
-          <a:solidFill>
-            <a:schemeClr val="bg1"/>
-          </a:solidFill>
-          <a:ln>
-            <a:solidFill>
-              <a:schemeClr val="bg1"/>
-            </a:solidFill>
-          </a:ln>
-        </p:spPr>
-        <p:style>
-          <a:lnRef idx="2">
-            <a:schemeClr val="accent1">
-              <a:shade val="50000"/>
-            </a:schemeClr>
-          </a:lnRef>
-          <a:fillRef idx="1">
-            <a:schemeClr val="accent1"/>
-          </a:fillRef>
-          <a:effectRef idx="0">
-            <a:schemeClr val="accent1"/>
-          </a:effectRef>
-          <a:fontRef idx="minor">
-            <a:schemeClr val="lt1"/>
-          </a:fontRef>
-        </p:style>
-        <p:txBody>
-          <a:bodyPr rtlCol="0" anchor="ctr"/>
-          <a:lstStyle/>
-          <a:p>
-            <a:pPr algn="ctr"/>
-            <a:endParaRPr lang="de-DE"/>
-          </a:p>
-        </p:txBody>
-      </p:sp>
-      <p:sp>
-        <p:nvSpPr>
-          <p:cNvPr id="13" name="Rechteck 12"/>
-          <p:cNvSpPr/>
-          <p:nvPr/>
-        </p:nvSpPr>
-        <p:spPr>
-          <a:xfrm>
-            <a:off x="7314331" y="917465"/>
-            <a:ext cx="1871003" cy="898790"/>
-          </a:xfrm>
-          <a:prstGeom prst="rect">
-            <a:avLst/>
-          </a:prstGeom>
-          <a:solidFill>
-            <a:schemeClr val="bg1"/>
-          </a:solidFill>
-          <a:ln>
-            <a:solidFill>
-              <a:schemeClr val="bg1"/>
-            </a:solidFill>
-          </a:ln>
-        </p:spPr>
-        <p:style>
-          <a:lnRef idx="2">
-            <a:schemeClr val="accent1">
-              <a:shade val="50000"/>
-            </a:schemeClr>
-          </a:lnRef>
-          <a:fillRef idx="1">
-            <a:schemeClr val="accent1"/>
-          </a:fillRef>
-          <a:effectRef idx="0">
-            <a:schemeClr val="accent1"/>
-          </a:effectRef>
-          <a:fontRef idx="minor">
-            <a:schemeClr val="lt1"/>
-          </a:fontRef>
-        </p:style>
-        <p:txBody>
-          <a:bodyPr rtlCol="0" anchor="ctr"/>
-          <a:lstStyle/>
-          <a:p>
-            <a:pPr algn="ctr"/>
-            <a:endParaRPr lang="de-DE"/>
-          </a:p>
-        </p:txBody>
-      </p:sp>
-      <p:pic>
-        <p:nvPicPr>
-          <p:cNvPr id="12" name="Grafik 11"/>
-          <p:cNvPicPr>
-            <a:picLocks noChangeAspect="1"/>
-          </p:cNvPicPr>
-          <p:nvPr/>
-        </p:nvPicPr>
-        <p:blipFill rotWithShape="1">
-          <a:blip r:embed="rId11">
-            <a:extLst>
-              <a:ext uri="{28A0092B-C50C-407E-A947-70E740481C1C}">
-                <a14:useLocalDpi xmlns:a14="http://schemas.microsoft.com/office/drawing/2010/main" val="0"/>
-              </a:ext>
-            </a:extLst>
-          </a:blip>
-          <a:srcRect t="4573"/>
-          <a:stretch/>
-        </p:blipFill>
-        <p:spPr>
-          <a:xfrm>
-            <a:off x="5841286" y="-1"/>
-            <a:ext cx="3329528" cy="1457651"/>
-          </a:xfrm>
-          <a:prstGeom prst="rect">
-            <a:avLst/>
-          </a:prstGeom>
-        </p:spPr>
-      </p:pic>
-      <p:sp>
-        <p:nvSpPr>
-          <p:cNvPr id="38" name="Rechteck 37"/>
-          <p:cNvSpPr/>
-          <p:nvPr/>
-        </p:nvSpPr>
-        <p:spPr>
-          <a:xfrm>
-            <a:off x="-294089" y="23188"/>
-            <a:ext cx="11925299" cy="6637296"/>
-          </a:xfrm>
-          <a:prstGeom prst="rect">
-            <a:avLst/>
-          </a:prstGeom>
-          <a:solidFill>
-            <a:schemeClr val="bg1">
-              <a:alpha val="49000"/>
-            </a:schemeClr>
-          </a:solidFill>
-          <a:ln>
-            <a:solidFill>
-              <a:schemeClr val="bg1"/>
-            </a:solidFill>
-          </a:ln>
-        </p:spPr>
-        <p:style>
-          <a:lnRef idx="2">
-            <a:schemeClr val="accent1">
-              <a:shade val="50000"/>
-            </a:schemeClr>
-          </a:lnRef>
-          <a:fillRef idx="1">
-            <a:schemeClr val="accent1"/>
-          </a:fillRef>
-          <a:effectRef idx="0">
-            <a:schemeClr val="accent1"/>
-          </a:effectRef>
-          <a:fontRef idx="minor">
-            <a:schemeClr val="lt1"/>
-          </a:fontRef>
-        </p:style>
-        <p:txBody>
-          <a:bodyPr rtlCol="0" anchor="ctr"/>
-          <a:lstStyle/>
-          <a:p>
-            <a:pPr algn="ctr"/>
-            <a:endParaRPr lang="de-DE"/>
-          </a:p>
-        </p:txBody>
-      </p:sp>
-      <p:pic>
-        <p:nvPicPr>
-          <p:cNvPr id="40" name="Grafik 39"/>
-          <p:cNvPicPr>
-            <a:picLocks noChangeAspect="1"/>
-          </p:cNvPicPr>
-          <p:nvPr/>
-        </p:nvPicPr>
-        <p:blipFill>
-          <a:blip r:embed="rId12">
-            <a:extLst>
-              <a:ext uri="{28A0092B-C50C-407E-A947-70E740481C1C}">
-                <a14:useLocalDpi xmlns:a14="http://schemas.microsoft.com/office/drawing/2010/main" val="0"/>
-              </a:ext>
-            </a:extLst>
-          </a:blip>
-          <a:stretch>
-            <a:fillRect/>
-          </a:stretch>
-        </p:blipFill>
-        <p:spPr>
-          <a:xfrm>
-            <a:off x="10786115" y="23188"/>
-            <a:ext cx="1237470" cy="1237470"/>
-          </a:xfrm>
-          <a:prstGeom prst="rect">
-            <a:avLst/>
-          </a:prstGeom>
-        </p:spPr>
-      </p:pic>
-      <p:grpSp>
-        <p:nvGrpSpPr>
-          <p:cNvPr id="39" name="Gruppieren 38"/>
-          <p:cNvGrpSpPr/>
-          <p:nvPr/>
-        </p:nvGrpSpPr>
-        <p:grpSpPr>
-          <a:xfrm>
-            <a:off x="4425616" y="2012498"/>
-            <a:ext cx="3340768" cy="2833004"/>
-            <a:chOff x="5491776" y="1245704"/>
-            <a:chExt cx="3120019" cy="2645807"/>
-          </a:xfrm>
-        </p:grpSpPr>
-        <p:pic>
-          <p:nvPicPr>
-            <p:cNvPr id="41" name="Picture 16" descr="http://www.philips.com/consumerfiles/newscenter/main/shared/assets/de/SmallParagraphImage/news/licht/20160314_Philips_Hue_white_ambiance_E27_1.jpg"/>
-            <p:cNvPicPr>
-              <a:picLocks noChangeAspect="1" noChangeArrowheads="1"/>
-            </p:cNvPicPr>
-            <p:nvPr/>
-          </p:nvPicPr>
-          <p:blipFill rotWithShape="1">
-            <a:blip r:embed="rId6">
-              <a:extLst>
-                <a:ext uri="{28A0092B-C50C-407E-A947-70E740481C1C}">
-                  <a14:useLocalDpi xmlns:a14="http://schemas.microsoft.com/office/drawing/2010/main" val="0"/>
-                </a:ext>
-              </a:extLst>
-            </a:blip>
-            <a:srcRect l="34928" t="24652" r="32837" b="21863"/>
-            <a:stretch/>
-          </p:blipFill>
-          <p:spPr bwMode="auto">
-            <a:xfrm>
-              <a:off x="5491776" y="1245704"/>
-              <a:ext cx="1559722" cy="2587902"/>
-            </a:xfrm>
-            <a:prstGeom prst="rect">
-              <a:avLst/>
-            </a:prstGeom>
-            <a:noFill/>
-            <a:extLst>
-              <a:ext uri="{909E8E84-426E-40DD-AFC4-6F175D3DCCD1}">
-                <a14:hiddenFill xmlns:a14="http://schemas.microsoft.com/office/drawing/2010/main">
-                  <a:solidFill>
-                    <a:srgbClr val="FFFFFF"/>
-                  </a:solidFill>
-                </a14:hiddenFill>
-              </a:ext>
-            </a:extLst>
-          </p:spPr>
-        </p:pic>
-        <p:pic>
-          <p:nvPicPr>
-            <p:cNvPr id="42" name="Picture 18" descr="https://camo.githubusercontent.com/0d0cfb0d8a0ebddeaaf0b7a51c78c08200f3c381/687474703a2f2f61313036362e70686f626f732e6170706c652e636f6d2f75732f72313030302f3131372f507572706c652f76342f31302f62652f37382f31306265373831302d383938322d646437332d336165372d6339373539316138376565372f6d7a6d2e7979767565706a642e706e67"/>
-            <p:cNvPicPr>
-              <a:picLocks noChangeAspect="1" noChangeArrowheads="1"/>
-            </p:cNvPicPr>
-            <p:nvPr/>
-          </p:nvPicPr>
-          <p:blipFill>
-            <a:blip r:embed="rId7">
-              <a:extLst>
-                <a:ext uri="{28A0092B-C50C-407E-A947-70E740481C1C}">
-                  <a14:useLocalDpi xmlns:a14="http://schemas.microsoft.com/office/drawing/2010/main" val="0"/>
-                </a:ext>
-              </a:extLst>
-            </a:blip>
-            <a:srcRect/>
-            <a:stretch>
-              <a:fillRect/>
-            </a:stretch>
-          </p:blipFill>
-          <p:spPr bwMode="auto">
-            <a:xfrm>
-              <a:off x="7051498" y="2331214"/>
-              <a:ext cx="1560297" cy="1560297"/>
-            </a:xfrm>
-            <a:prstGeom prst="rect">
-              <a:avLst/>
-            </a:prstGeom>
-            <a:noFill/>
-            <a:extLst>
-              <a:ext uri="{909E8E84-426E-40DD-AFC4-6F175D3DCCD1}">
-                <a14:hiddenFill xmlns:a14="http://schemas.microsoft.com/office/drawing/2010/main">
-                  <a:solidFill>
-                    <a:srgbClr val="FFFFFF"/>
-                  </a:solidFill>
-                </a14:hiddenFill>
-              </a:ext>
-            </a:extLst>
-          </p:spPr>
-        </p:pic>
-      </p:grpSp>
-      <p:grpSp>
-        <p:nvGrpSpPr>
-          <p:cNvPr id="43" name="Gruppieren 42"/>
-          <p:cNvGrpSpPr/>
-          <p:nvPr/>
-        </p:nvGrpSpPr>
-        <p:grpSpPr>
-          <a:xfrm>
-            <a:off x="10769934" y="5876282"/>
-            <a:ext cx="1237470" cy="830997"/>
-            <a:chOff x="10769934" y="5876282"/>
-            <a:chExt cx="1237470" cy="830997"/>
-          </a:xfrm>
-        </p:grpSpPr>
-        <p:sp>
-          <p:nvSpPr>
-            <p:cNvPr id="44" name="Textfeld 43"/>
-            <p:cNvSpPr txBox="1"/>
-            <p:nvPr/>
-          </p:nvSpPr>
-          <p:spPr>
-            <a:xfrm>
-              <a:off x="10769934" y="5876282"/>
-              <a:ext cx="1237470" cy="830997"/>
-            </a:xfrm>
-            <a:prstGeom prst="rect">
-              <a:avLst/>
-            </a:prstGeom>
-            <a:noFill/>
-          </p:spPr>
-          <p:txBody>
-            <a:bodyPr wrap="square" rtlCol="0">
-              <a:spAutoFit/>
-            </a:bodyPr>
-            <a:lstStyle/>
-            <a:p>
-              <a:pPr algn="r"/>
-              <a:r>
-                <a:rPr lang="de-DE" sz="1200" dirty="0"/>
-                <a:t>REST</a:t>
-              </a:r>
-            </a:p>
-            <a:p>
-              <a:pPr algn="r"/>
-              <a:r>
-                <a:rPr lang="de-DE" sz="1200" dirty="0"/>
-                <a:t>Bluetooth</a:t>
-              </a:r>
-            </a:p>
-            <a:p>
-              <a:pPr algn="r"/>
-              <a:r>
-                <a:rPr lang="de-DE" sz="1200" dirty="0"/>
-                <a:t>SSH</a:t>
-              </a:r>
-            </a:p>
-            <a:p>
-              <a:pPr algn="r"/>
-              <a:r>
-                <a:rPr lang="de-DE" sz="1200" dirty="0"/>
-                <a:t>Socket</a:t>
-              </a:r>
-            </a:p>
-          </p:txBody>
-        </p:sp>
-        <p:cxnSp>
-          <p:nvCxnSpPr>
-            <p:cNvPr id="45" name="Gerader Verbinder 44"/>
-            <p:cNvCxnSpPr/>
-            <p:nvPr/>
-          </p:nvCxnSpPr>
-          <p:spPr>
-            <a:xfrm flipH="1">
-              <a:off x="10955317" y="6013211"/>
-              <a:ext cx="603271" cy="0"/>
-            </a:xfrm>
-            <a:prstGeom prst="line">
-              <a:avLst/>
-            </a:prstGeom>
-            <a:ln w="38100">
-              <a:solidFill>
-                <a:schemeClr val="accent2">
-                  <a:lumMod val="75000"/>
-                </a:schemeClr>
-              </a:solidFill>
-            </a:ln>
-          </p:spPr>
-          <p:style>
-            <a:lnRef idx="1">
-              <a:schemeClr val="accent1"/>
-            </a:lnRef>
-            <a:fillRef idx="0">
-              <a:schemeClr val="accent1"/>
-            </a:fillRef>
-            <a:effectRef idx="0">
-              <a:schemeClr val="accent1"/>
-            </a:effectRef>
-            <a:fontRef idx="minor">
-              <a:schemeClr val="tx1"/>
-            </a:fontRef>
-          </p:style>
-        </p:cxnSp>
-        <p:cxnSp>
-          <p:nvCxnSpPr>
-            <p:cNvPr id="46" name="Gerader Verbinder 45"/>
-            <p:cNvCxnSpPr/>
-            <p:nvPr/>
-          </p:nvCxnSpPr>
-          <p:spPr>
-            <a:xfrm flipH="1">
-              <a:off x="10955317" y="6198956"/>
-              <a:ext cx="298471" cy="0"/>
-            </a:xfrm>
-            <a:prstGeom prst="line">
-              <a:avLst/>
-            </a:prstGeom>
-            <a:ln w="38100">
-              <a:solidFill>
-                <a:schemeClr val="accent1">
-                  <a:lumMod val="50000"/>
-                </a:schemeClr>
-              </a:solidFill>
-            </a:ln>
-          </p:spPr>
-          <p:style>
-            <a:lnRef idx="1">
-              <a:schemeClr val="accent1"/>
-            </a:lnRef>
-            <a:fillRef idx="0">
-              <a:schemeClr val="accent1"/>
-            </a:fillRef>
-            <a:effectRef idx="0">
-              <a:schemeClr val="accent1"/>
-            </a:effectRef>
-            <a:fontRef idx="minor">
-              <a:schemeClr val="tx1"/>
-            </a:fontRef>
-          </p:style>
-        </p:cxnSp>
-        <p:cxnSp>
-          <p:nvCxnSpPr>
-            <p:cNvPr id="47" name="Gerader Verbinder 46"/>
-            <p:cNvCxnSpPr/>
-            <p:nvPr/>
-          </p:nvCxnSpPr>
-          <p:spPr>
-            <a:xfrm flipH="1">
-              <a:off x="10955317" y="6379930"/>
-              <a:ext cx="675893" cy="0"/>
-            </a:xfrm>
-            <a:prstGeom prst="line">
-              <a:avLst/>
-            </a:prstGeom>
-            <a:ln w="38100">
-              <a:solidFill>
-                <a:schemeClr val="accent4">
-                  <a:lumMod val="75000"/>
-                </a:schemeClr>
-              </a:solidFill>
-            </a:ln>
-          </p:spPr>
-          <p:style>
-            <a:lnRef idx="1">
-              <a:schemeClr val="accent1"/>
-            </a:lnRef>
-            <a:fillRef idx="0">
-              <a:schemeClr val="accent1"/>
-            </a:fillRef>
-            <a:effectRef idx="0">
-              <a:schemeClr val="accent1"/>
-            </a:effectRef>
-            <a:fontRef idx="minor">
-              <a:schemeClr val="tx1"/>
-            </a:fontRef>
-          </p:style>
-        </p:cxnSp>
-        <p:cxnSp>
-          <p:nvCxnSpPr>
-            <p:cNvPr id="48" name="Gerader Verbinder 47"/>
-            <p:cNvCxnSpPr/>
-            <p:nvPr/>
-          </p:nvCxnSpPr>
-          <p:spPr>
-            <a:xfrm flipH="1">
-              <a:off x="10955318" y="6561915"/>
-              <a:ext cx="479445" cy="0"/>
-            </a:xfrm>
-            <a:prstGeom prst="line">
-              <a:avLst/>
-            </a:prstGeom>
-            <a:ln w="38100">
-              <a:solidFill>
-                <a:srgbClr val="7030A0"/>
-              </a:solidFill>
-            </a:ln>
-          </p:spPr>
-          <p:style>
-            <a:lnRef idx="1">
-              <a:schemeClr val="accent1"/>
-            </a:lnRef>
-            <a:fillRef idx="0">
-              <a:schemeClr val="accent1"/>
-            </a:fillRef>
-            <a:effectRef idx="0">
-              <a:schemeClr val="accent1"/>
-            </a:effectRef>
-            <a:fontRef idx="minor">
-              <a:schemeClr val="tx1"/>
-            </a:fontRef>
-          </p:style>
-        </p:cxnSp>
-      </p:grpSp>
-      <p:cxnSp>
-        <p:nvCxnSpPr>
-          <p:cNvPr id="49" name="Gerade Verbindung mit Pfeil 48"/>
-          <p:cNvCxnSpPr/>
-          <p:nvPr/>
-        </p:nvCxnSpPr>
-        <p:spPr>
-          <a:xfrm flipH="1">
-            <a:off x="7698186" y="917465"/>
-            <a:ext cx="2829906" cy="1686035"/>
-          </a:xfrm>
-          <a:prstGeom prst="straightConnector1">
-            <a:avLst/>
-          </a:prstGeom>
-          <a:ln w="76200">
-            <a:solidFill>
-              <a:schemeClr val="accent2">
-                <a:lumMod val="75000"/>
-              </a:schemeClr>
-            </a:solidFill>
-            <a:tailEnd type="triangle"/>
-          </a:ln>
-        </p:spPr>
-        <p:style>
-          <a:lnRef idx="3">
-            <a:schemeClr val="accent6"/>
-          </a:lnRef>
-          <a:fillRef idx="0">
-            <a:schemeClr val="accent6"/>
-          </a:fillRef>
-          <a:effectRef idx="2">
-            <a:schemeClr val="accent6"/>
-          </a:effectRef>
-          <a:fontRef idx="minor">
-            <a:schemeClr val="tx1"/>
-          </a:fontRef>
-        </p:style>
-      </p:cxnSp>
-    </p:spTree>
-    <p:extLst>
-      <p:ext uri="{BB962C8B-B14F-4D97-AF65-F5344CB8AC3E}">
-        <p14:creationId xmlns:p14="http://schemas.microsoft.com/office/powerpoint/2010/main" val="2369070979"/>
       </p:ext>
     </p:extLst>
   </p:cSld>
